--- a/Aplikasi Darurat Bandung.pptx
+++ b/Aplikasi Darurat Bandung.pptx
@@ -9,8 +9,11 @@
     <p:sldId id="257" r:id="rId3"/>
     <p:sldId id="258" r:id="rId4"/>
     <p:sldId id="259" r:id="rId5"/>
-    <p:sldId id="260" r:id="rId6"/>
-    <p:sldId id="261" r:id="rId7"/>
+    <p:sldId id="263" r:id="rId6"/>
+    <p:sldId id="264" r:id="rId7"/>
+    <p:sldId id="260" r:id="rId8"/>
+    <p:sldId id="261" r:id="rId9"/>
+    <p:sldId id="266" r:id="rId10"/>
   </p:sldIdLst>
   <p:sldSz cx="9144000" cy="6858000" type="screen4x3"/>
   <p:notesSz cx="6858000" cy="9144000"/>
@@ -10031,6 +10034,2316 @@
         </p:nvSpPr>
         <p:spPr>
           <a:xfrm>
+            <a:off x="457200" y="0"/>
+            <a:ext cx="8229600" cy="764704"/>
+          </a:xfrm>
+        </p:spPr>
+        <p:txBody>
+          <a:bodyPr>
+            <a:normAutofit/>
+          </a:bodyPr>
+          <a:lstStyle/>
+          <a:p>
+            <a:pPr algn="ctr"/>
+            <a:r>
+              <a:rPr lang="id-ID" dirty="0"/>
+              <a:t>Fungsional Requetment</a:t>
+            </a:r>
+          </a:p>
+        </p:txBody>
+      </p:sp>
+      <p:graphicFrame>
+        <p:nvGraphicFramePr>
+          <p:cNvPr id="5" name="Content Placeholder 4"/>
+          <p:cNvGraphicFramePr>
+            <a:graphicFrameLocks noGrp="1"/>
+          </p:cNvGraphicFramePr>
+          <p:nvPr>
+            <p:ph idx="1"/>
+            <p:extLst>
+              <p:ext uri="{D42A27DB-BD31-4B8C-83A1-F6EECF244321}">
+                <p14:modId xmlns:p14="http://schemas.microsoft.com/office/powerpoint/2010/main" val="450642475"/>
+              </p:ext>
+            </p:extLst>
+          </p:nvPr>
+        </p:nvGraphicFramePr>
+        <p:xfrm>
+          <a:off x="251520" y="836712"/>
+          <a:ext cx="8712969" cy="5861026"/>
+        </p:xfrm>
+        <a:graphic>
+          <a:graphicData uri="http://schemas.openxmlformats.org/drawingml/2006/table">
+            <a:tbl>
+              <a:tblPr>
+                <a:tableStyleId>{5C22544A-7EE6-4342-B048-85BDC9FD1C3A}</a:tableStyleId>
+              </a:tblPr>
+              <a:tblGrid>
+                <a:gridCol w="1290960"/>
+                <a:gridCol w="3762603"/>
+                <a:gridCol w="3659406"/>
+              </a:tblGrid>
+              <a:tr h="283094">
+                <a:tc>
+                  <a:txBody>
+                    <a:bodyPr/>
+                    <a:lstStyle/>
+                    <a:p>
+                      <a:pPr algn="l">
+                        <a:spcAft>
+                          <a:spcPts val="0"/>
+                        </a:spcAft>
+                      </a:pPr>
+                      <a:r>
+                        <a:rPr lang="id-ID" sz="2000" dirty="0">
+                          <a:effectLst/>
+                          <a:latin typeface="Times New Roman" pitchFamily="18" charset="0"/>
+                          <a:cs typeface="Times New Roman" pitchFamily="18" charset="0"/>
+                        </a:rPr>
+                        <a:t>ID</a:t>
+                      </a:r>
+                      <a:endParaRPr lang="id-ID" sz="2000" dirty="0">
+                        <a:effectLst/>
+                        <a:latin typeface="Times New Roman" pitchFamily="18" charset="0"/>
+                        <a:ea typeface="Times New Roman"/>
+                        <a:cs typeface="Times New Roman" pitchFamily="18" charset="0"/>
+                      </a:endParaRPr>
+                    </a:p>
+                  </a:txBody>
+                  <a:tcPr marL="68580" marR="68580" marT="0" marB="0"/>
+                </a:tc>
+                <a:tc>
+                  <a:txBody>
+                    <a:bodyPr/>
+                    <a:lstStyle/>
+                    <a:p>
+                      <a:pPr algn="l">
+                        <a:spcAft>
+                          <a:spcPts val="0"/>
+                        </a:spcAft>
+                      </a:pPr>
+                      <a:r>
+                        <a:rPr lang="id-ID" sz="2000" dirty="0">
+                          <a:effectLst/>
+                          <a:latin typeface="Times New Roman" pitchFamily="18" charset="0"/>
+                          <a:cs typeface="Times New Roman" pitchFamily="18" charset="0"/>
+                        </a:rPr>
+                        <a:t>Kebutuhan</a:t>
+                      </a:r>
+                      <a:endParaRPr lang="id-ID" sz="2000" dirty="0">
+                        <a:effectLst/>
+                        <a:latin typeface="Times New Roman" pitchFamily="18" charset="0"/>
+                        <a:ea typeface="Times New Roman"/>
+                        <a:cs typeface="Times New Roman" pitchFamily="18" charset="0"/>
+                      </a:endParaRPr>
+                    </a:p>
+                  </a:txBody>
+                  <a:tcPr marL="68580" marR="68580" marT="0" marB="0"/>
+                </a:tc>
+                <a:tc>
+                  <a:txBody>
+                    <a:bodyPr/>
+                    <a:lstStyle/>
+                    <a:p>
+                      <a:pPr algn="l">
+                        <a:spcAft>
+                          <a:spcPts val="0"/>
+                        </a:spcAft>
+                      </a:pPr>
+                      <a:r>
+                        <a:rPr lang="id-ID" sz="2000" dirty="0">
+                          <a:effectLst/>
+                          <a:latin typeface="Times New Roman" pitchFamily="18" charset="0"/>
+                          <a:cs typeface="Times New Roman" pitchFamily="18" charset="0"/>
+                        </a:rPr>
+                        <a:t>Penjelasan</a:t>
+                      </a:r>
+                      <a:endParaRPr lang="id-ID" sz="2000" dirty="0">
+                        <a:effectLst/>
+                        <a:latin typeface="Times New Roman" pitchFamily="18" charset="0"/>
+                        <a:ea typeface="Times New Roman"/>
+                        <a:cs typeface="Times New Roman" pitchFamily="18" charset="0"/>
+                      </a:endParaRPr>
+                    </a:p>
+                  </a:txBody>
+                  <a:tcPr marL="68580" marR="68580" marT="0" marB="0"/>
+                </a:tc>
+              </a:tr>
+              <a:tr h="679426">
+                <a:tc>
+                  <a:txBody>
+                    <a:bodyPr/>
+                    <a:lstStyle/>
+                    <a:p>
+                      <a:pPr algn="ctr">
+                        <a:lnSpc>
+                          <a:spcPct val="150000"/>
+                        </a:lnSpc>
+                        <a:spcAft>
+                          <a:spcPts val="0"/>
+                        </a:spcAft>
+                      </a:pPr>
+                      <a:r>
+                        <a:rPr lang="id-ID" sz="1600" dirty="0">
+                          <a:effectLst/>
+                          <a:latin typeface="Times New Roman" pitchFamily="18" charset="0"/>
+                          <a:cs typeface="Times New Roman" pitchFamily="18" charset="0"/>
+                        </a:rPr>
+                        <a:t>ADB-F-01</a:t>
+                      </a:r>
+                      <a:endParaRPr lang="id-ID" sz="1600" dirty="0">
+                        <a:effectLst/>
+                        <a:latin typeface="Times New Roman" pitchFamily="18" charset="0"/>
+                        <a:ea typeface="Times New Roman"/>
+                        <a:cs typeface="Times New Roman" pitchFamily="18" charset="0"/>
+                      </a:endParaRPr>
+                    </a:p>
+                  </a:txBody>
+                  <a:tcPr marL="68580" marR="68580" marT="0" marB="0"/>
+                </a:tc>
+                <a:tc>
+                  <a:txBody>
+                    <a:bodyPr/>
+                    <a:lstStyle/>
+                    <a:p>
+                      <a:pPr algn="l">
+                        <a:lnSpc>
+                          <a:spcPct val="150000"/>
+                        </a:lnSpc>
+                        <a:spcAft>
+                          <a:spcPts val="0"/>
+                        </a:spcAft>
+                      </a:pPr>
+                      <a:r>
+                        <a:rPr lang="id-ID" sz="1600" dirty="0">
+                          <a:effectLst/>
+                          <a:latin typeface="Times New Roman" pitchFamily="18" charset="0"/>
+                          <a:cs typeface="Times New Roman" pitchFamily="18" charset="0"/>
+                        </a:rPr>
+                        <a:t>Sistem dapat menampilkan tampilan awal</a:t>
+                      </a:r>
+                      <a:endParaRPr lang="id-ID" sz="1600" dirty="0">
+                        <a:effectLst/>
+                        <a:latin typeface="Times New Roman" pitchFamily="18" charset="0"/>
+                        <a:ea typeface="Times New Roman"/>
+                        <a:cs typeface="Times New Roman" pitchFamily="18" charset="0"/>
+                      </a:endParaRPr>
+                    </a:p>
+                  </a:txBody>
+                  <a:tcPr marL="68580" marR="68580" marT="0" marB="0"/>
+                </a:tc>
+                <a:tc>
+                  <a:txBody>
+                    <a:bodyPr/>
+                    <a:lstStyle/>
+                    <a:p>
+                      <a:pPr algn="l">
+                        <a:spcAft>
+                          <a:spcPts val="0"/>
+                        </a:spcAft>
+                      </a:pPr>
+                      <a:r>
+                        <a:rPr lang="id-ID" sz="1600">
+                          <a:effectLst/>
+                          <a:latin typeface="Times New Roman" pitchFamily="18" charset="0"/>
+                          <a:cs typeface="Times New Roman" pitchFamily="18" charset="0"/>
+                        </a:rPr>
+                        <a:t>Sistem dapat </a:t>
+                      </a:r>
+                      <a:r>
+                        <a:rPr lang="en-US" sz="1600">
+                          <a:effectLst/>
+                          <a:latin typeface="Times New Roman" pitchFamily="18" charset="0"/>
+                          <a:cs typeface="Times New Roman" pitchFamily="18" charset="0"/>
+                        </a:rPr>
+                        <a:t>menampilkan tampilan awal ketika masuk kedalam aplikasi</a:t>
+                      </a:r>
+                      <a:endParaRPr lang="id-ID" sz="1600">
+                        <a:effectLst/>
+                        <a:latin typeface="Times New Roman" pitchFamily="18" charset="0"/>
+                        <a:ea typeface="Times New Roman"/>
+                        <a:cs typeface="Times New Roman" pitchFamily="18" charset="0"/>
+                      </a:endParaRPr>
+                    </a:p>
+                  </a:txBody>
+                  <a:tcPr marL="68580" marR="68580" marT="0" marB="0"/>
+                </a:tc>
+              </a:tr>
+              <a:tr h="452950">
+                <a:tc>
+                  <a:txBody>
+                    <a:bodyPr/>
+                    <a:lstStyle/>
+                    <a:p>
+                      <a:pPr algn="ctr">
+                        <a:spcAft>
+                          <a:spcPts val="0"/>
+                        </a:spcAft>
+                      </a:pPr>
+                      <a:r>
+                        <a:rPr lang="id-ID" sz="1600" dirty="0">
+                          <a:effectLst/>
+                          <a:latin typeface="Times New Roman" pitchFamily="18" charset="0"/>
+                          <a:cs typeface="Times New Roman" pitchFamily="18" charset="0"/>
+                        </a:rPr>
+                        <a:t>ADB-F-02</a:t>
+                      </a:r>
+                      <a:endParaRPr lang="id-ID" sz="1600" dirty="0">
+                        <a:effectLst/>
+                        <a:latin typeface="Times New Roman" pitchFamily="18" charset="0"/>
+                        <a:ea typeface="Times New Roman"/>
+                        <a:cs typeface="Times New Roman" pitchFamily="18" charset="0"/>
+                      </a:endParaRPr>
+                    </a:p>
+                  </a:txBody>
+                  <a:tcPr marL="68580" marR="68580" marT="0" marB="0"/>
+                </a:tc>
+                <a:tc>
+                  <a:txBody>
+                    <a:bodyPr/>
+                    <a:lstStyle/>
+                    <a:p>
+                      <a:pPr algn="l">
+                        <a:lnSpc>
+                          <a:spcPct val="115000"/>
+                        </a:lnSpc>
+                        <a:spcAft>
+                          <a:spcPts val="0"/>
+                        </a:spcAft>
+                      </a:pPr>
+                      <a:r>
+                        <a:rPr lang="en-GB" sz="1600" dirty="0" err="1">
+                          <a:effectLst/>
+                          <a:latin typeface="Times New Roman" pitchFamily="18" charset="0"/>
+                          <a:cs typeface="Times New Roman" pitchFamily="18" charset="0"/>
+                        </a:rPr>
+                        <a:t>Sistem</a:t>
+                      </a:r>
+                      <a:r>
+                        <a:rPr lang="en-GB" sz="1600" dirty="0">
+                          <a:effectLst/>
+                          <a:latin typeface="Times New Roman" pitchFamily="18" charset="0"/>
+                          <a:cs typeface="Times New Roman" pitchFamily="18" charset="0"/>
+                        </a:rPr>
+                        <a:t> </a:t>
+                      </a:r>
+                      <a:r>
+                        <a:rPr lang="en-GB" sz="1600" dirty="0" err="1">
+                          <a:effectLst/>
+                          <a:latin typeface="Times New Roman" pitchFamily="18" charset="0"/>
+                          <a:cs typeface="Times New Roman" pitchFamily="18" charset="0"/>
+                        </a:rPr>
+                        <a:t>dapat</a:t>
+                      </a:r>
+                      <a:r>
+                        <a:rPr lang="en-GB" sz="1600" dirty="0">
+                          <a:effectLst/>
+                          <a:latin typeface="Times New Roman" pitchFamily="18" charset="0"/>
+                          <a:cs typeface="Times New Roman" pitchFamily="18" charset="0"/>
+                        </a:rPr>
+                        <a:t> </a:t>
+                      </a:r>
+                      <a:r>
+                        <a:rPr lang="en-GB" sz="1600" dirty="0" err="1">
+                          <a:effectLst/>
+                          <a:latin typeface="Times New Roman" pitchFamily="18" charset="0"/>
+                          <a:cs typeface="Times New Roman" pitchFamily="18" charset="0"/>
+                        </a:rPr>
+                        <a:t>menampilkan</a:t>
+                      </a:r>
+                      <a:r>
+                        <a:rPr lang="en-GB" sz="1600" dirty="0">
+                          <a:effectLst/>
+                          <a:latin typeface="Times New Roman" pitchFamily="18" charset="0"/>
+                          <a:cs typeface="Times New Roman" pitchFamily="18" charset="0"/>
+                        </a:rPr>
+                        <a:t> Form </a:t>
+                      </a:r>
+                      <a:r>
+                        <a:rPr lang="id-ID" sz="1600" dirty="0">
+                          <a:effectLst/>
+                          <a:latin typeface="Times New Roman" pitchFamily="18" charset="0"/>
+                          <a:cs typeface="Times New Roman" pitchFamily="18" charset="0"/>
+                        </a:rPr>
+                        <a:t>Call</a:t>
+                      </a:r>
+                      <a:endParaRPr lang="id-ID" sz="1600" dirty="0">
+                        <a:effectLst/>
+                        <a:latin typeface="Times New Roman" pitchFamily="18" charset="0"/>
+                        <a:ea typeface="Times New Roman"/>
+                        <a:cs typeface="Times New Roman" pitchFamily="18" charset="0"/>
+                      </a:endParaRPr>
+                    </a:p>
+                  </a:txBody>
+                  <a:tcPr marL="68580" marR="68580" marT="0" marB="0"/>
+                </a:tc>
+                <a:tc>
+                  <a:txBody>
+                    <a:bodyPr/>
+                    <a:lstStyle/>
+                    <a:p>
+                      <a:pPr algn="l">
+                        <a:spcAft>
+                          <a:spcPts val="0"/>
+                        </a:spcAft>
+                      </a:pPr>
+                      <a:r>
+                        <a:rPr lang="id-ID" sz="1600" dirty="0">
+                          <a:effectLst/>
+                          <a:latin typeface="Times New Roman" pitchFamily="18" charset="0"/>
+                          <a:cs typeface="Times New Roman" pitchFamily="18" charset="0"/>
+                        </a:rPr>
+                        <a:t>Sistem dapat menampilkan layanan untuk pilhan menu</a:t>
+                      </a:r>
+                      <a:endParaRPr lang="id-ID" sz="1600" dirty="0">
+                        <a:effectLst/>
+                        <a:latin typeface="Times New Roman" pitchFamily="18" charset="0"/>
+                        <a:ea typeface="Times New Roman"/>
+                        <a:cs typeface="Times New Roman" pitchFamily="18" charset="0"/>
+                      </a:endParaRPr>
+                    </a:p>
+                  </a:txBody>
+                  <a:tcPr marL="68580" marR="68580" marT="0" marB="0"/>
+                </a:tc>
+              </a:tr>
+              <a:tr h="452950">
+                <a:tc>
+                  <a:txBody>
+                    <a:bodyPr/>
+                    <a:lstStyle/>
+                    <a:p>
+                      <a:pPr algn="ctr">
+                        <a:spcAft>
+                          <a:spcPts val="0"/>
+                        </a:spcAft>
+                      </a:pPr>
+                      <a:r>
+                        <a:rPr lang="id-ID" sz="1600" dirty="0">
+                          <a:effectLst/>
+                          <a:latin typeface="Times New Roman" pitchFamily="18" charset="0"/>
+                          <a:cs typeface="Times New Roman" pitchFamily="18" charset="0"/>
+                        </a:rPr>
+                        <a:t>ADB-F-03</a:t>
+                      </a:r>
+                      <a:endParaRPr lang="id-ID" sz="1600" dirty="0">
+                        <a:effectLst/>
+                        <a:latin typeface="Times New Roman" pitchFamily="18" charset="0"/>
+                        <a:ea typeface="Times New Roman"/>
+                        <a:cs typeface="Times New Roman" pitchFamily="18" charset="0"/>
+                      </a:endParaRPr>
+                    </a:p>
+                  </a:txBody>
+                  <a:tcPr marL="68580" marR="68580" marT="0" marB="0"/>
+                </a:tc>
+                <a:tc>
+                  <a:txBody>
+                    <a:bodyPr/>
+                    <a:lstStyle/>
+                    <a:p>
+                      <a:pPr algn="l">
+                        <a:spcAft>
+                          <a:spcPts val="0"/>
+                        </a:spcAft>
+                      </a:pPr>
+                      <a:r>
+                        <a:rPr lang="id-ID" sz="1600" dirty="0">
+                          <a:effectLst/>
+                          <a:latin typeface="Times New Roman" pitchFamily="18" charset="0"/>
+                          <a:cs typeface="Times New Roman" pitchFamily="18" charset="0"/>
+                        </a:rPr>
+                        <a:t>Sistem dapat menampilkan Form Ambulan</a:t>
+                      </a:r>
+                      <a:endParaRPr lang="id-ID" sz="1600" dirty="0">
+                        <a:effectLst/>
+                        <a:latin typeface="Times New Roman" pitchFamily="18" charset="0"/>
+                        <a:ea typeface="Times New Roman"/>
+                        <a:cs typeface="Times New Roman" pitchFamily="18" charset="0"/>
+                      </a:endParaRPr>
+                    </a:p>
+                  </a:txBody>
+                  <a:tcPr marL="68580" marR="68580" marT="0" marB="0"/>
+                </a:tc>
+                <a:tc>
+                  <a:txBody>
+                    <a:bodyPr/>
+                    <a:lstStyle/>
+                    <a:p>
+                      <a:pPr algn="l">
+                        <a:spcAft>
+                          <a:spcPts val="0"/>
+                        </a:spcAft>
+                      </a:pPr>
+                      <a:r>
+                        <a:rPr lang="id-ID" sz="1600" dirty="0">
+                          <a:effectLst/>
+                          <a:latin typeface="Times New Roman" pitchFamily="18" charset="0"/>
+                          <a:cs typeface="Times New Roman" pitchFamily="18" charset="0"/>
+                        </a:rPr>
+                        <a:t>Sistem dapat menampilkan  data dari nama kota</a:t>
+                      </a:r>
+                      <a:endParaRPr lang="id-ID" sz="1600" dirty="0">
+                        <a:effectLst/>
+                        <a:latin typeface="Times New Roman" pitchFamily="18" charset="0"/>
+                        <a:ea typeface="Times New Roman"/>
+                        <a:cs typeface="Times New Roman" pitchFamily="18" charset="0"/>
+                      </a:endParaRPr>
+                    </a:p>
+                  </a:txBody>
+                  <a:tcPr marL="68580" marR="68580" marT="0" marB="0"/>
+                </a:tc>
+              </a:tr>
+              <a:tr h="452950">
+                <a:tc>
+                  <a:txBody>
+                    <a:bodyPr/>
+                    <a:lstStyle/>
+                    <a:p>
+                      <a:pPr algn="ctr">
+                        <a:spcAft>
+                          <a:spcPts val="0"/>
+                        </a:spcAft>
+                      </a:pPr>
+                      <a:r>
+                        <a:rPr lang="id-ID" sz="1600" dirty="0">
+                          <a:effectLst/>
+                          <a:latin typeface="Times New Roman" pitchFamily="18" charset="0"/>
+                          <a:cs typeface="Times New Roman" pitchFamily="18" charset="0"/>
+                        </a:rPr>
+                        <a:t>ADB-F-04</a:t>
+                      </a:r>
+                      <a:endParaRPr lang="id-ID" sz="1600" dirty="0">
+                        <a:effectLst/>
+                        <a:latin typeface="Times New Roman" pitchFamily="18" charset="0"/>
+                        <a:ea typeface="Times New Roman"/>
+                        <a:cs typeface="Times New Roman" pitchFamily="18" charset="0"/>
+                      </a:endParaRPr>
+                    </a:p>
+                  </a:txBody>
+                  <a:tcPr marL="68580" marR="68580" marT="0" marB="0"/>
+                </a:tc>
+                <a:tc>
+                  <a:txBody>
+                    <a:bodyPr/>
+                    <a:lstStyle/>
+                    <a:p>
+                      <a:pPr algn="l">
+                        <a:spcAft>
+                          <a:spcPts val="0"/>
+                        </a:spcAft>
+                      </a:pPr>
+                      <a:r>
+                        <a:rPr lang="id-ID" sz="1600" dirty="0">
+                          <a:effectLst/>
+                          <a:latin typeface="Times New Roman" pitchFamily="18" charset="0"/>
+                          <a:cs typeface="Times New Roman" pitchFamily="18" charset="0"/>
+                        </a:rPr>
+                        <a:t>Sistem dapat menampilkan Form Daftar Ambulan</a:t>
+                      </a:r>
+                      <a:endParaRPr lang="id-ID" sz="1600" dirty="0">
+                        <a:effectLst/>
+                        <a:latin typeface="Times New Roman" pitchFamily="18" charset="0"/>
+                        <a:ea typeface="Times New Roman"/>
+                        <a:cs typeface="Times New Roman" pitchFamily="18" charset="0"/>
+                      </a:endParaRPr>
+                    </a:p>
+                  </a:txBody>
+                  <a:tcPr marL="68580" marR="68580" marT="0" marB="0"/>
+                </a:tc>
+                <a:tc>
+                  <a:txBody>
+                    <a:bodyPr/>
+                    <a:lstStyle/>
+                    <a:p>
+                      <a:pPr algn="l">
+                        <a:spcAft>
+                          <a:spcPts val="0"/>
+                        </a:spcAft>
+                      </a:pPr>
+                      <a:r>
+                        <a:rPr lang="id-ID" sz="1600" dirty="0">
+                          <a:effectLst/>
+                          <a:latin typeface="Times New Roman" pitchFamily="18" charset="0"/>
+                          <a:cs typeface="Times New Roman" pitchFamily="18" charset="0"/>
+                        </a:rPr>
+                        <a:t>Sistem dapat menampilkan data dari daftar ambulan </a:t>
+                      </a:r>
+                      <a:endParaRPr lang="id-ID" sz="1600" dirty="0">
+                        <a:effectLst/>
+                        <a:latin typeface="Times New Roman" pitchFamily="18" charset="0"/>
+                        <a:ea typeface="Times New Roman"/>
+                        <a:cs typeface="Times New Roman" pitchFamily="18" charset="0"/>
+                      </a:endParaRPr>
+                    </a:p>
+                  </a:txBody>
+                  <a:tcPr marL="68580" marR="68580" marT="0" marB="0"/>
+                </a:tc>
+              </a:tr>
+              <a:tr h="452950">
+                <a:tc>
+                  <a:txBody>
+                    <a:bodyPr/>
+                    <a:lstStyle/>
+                    <a:p>
+                      <a:pPr algn="ctr">
+                        <a:spcAft>
+                          <a:spcPts val="0"/>
+                        </a:spcAft>
+                      </a:pPr>
+                      <a:r>
+                        <a:rPr lang="id-ID" sz="1600" dirty="0">
+                          <a:effectLst/>
+                          <a:latin typeface="Times New Roman" pitchFamily="18" charset="0"/>
+                          <a:cs typeface="Times New Roman" pitchFamily="18" charset="0"/>
+                        </a:rPr>
+                        <a:t>ADB-F-05</a:t>
+                      </a:r>
+                      <a:endParaRPr lang="id-ID" sz="1600" dirty="0">
+                        <a:effectLst/>
+                        <a:latin typeface="Times New Roman" pitchFamily="18" charset="0"/>
+                        <a:ea typeface="Times New Roman"/>
+                        <a:cs typeface="Times New Roman" pitchFamily="18" charset="0"/>
+                      </a:endParaRPr>
+                    </a:p>
+                  </a:txBody>
+                  <a:tcPr marL="68580" marR="68580" marT="0" marB="0"/>
+                </a:tc>
+                <a:tc>
+                  <a:txBody>
+                    <a:bodyPr/>
+                    <a:lstStyle/>
+                    <a:p>
+                      <a:pPr algn="l">
+                        <a:spcAft>
+                          <a:spcPts val="0"/>
+                        </a:spcAft>
+                      </a:pPr>
+                      <a:r>
+                        <a:rPr lang="id-ID" sz="1600" dirty="0">
+                          <a:effectLst/>
+                          <a:latin typeface="Times New Roman" pitchFamily="18" charset="0"/>
+                          <a:cs typeface="Times New Roman" pitchFamily="18" charset="0"/>
+                        </a:rPr>
+                        <a:t>Sistem dapat menampilkan Form calling Ambulan</a:t>
+                      </a:r>
+                      <a:endParaRPr lang="id-ID" sz="1600" dirty="0">
+                        <a:effectLst/>
+                        <a:latin typeface="Times New Roman" pitchFamily="18" charset="0"/>
+                        <a:ea typeface="Times New Roman"/>
+                        <a:cs typeface="Times New Roman" pitchFamily="18" charset="0"/>
+                      </a:endParaRPr>
+                    </a:p>
+                  </a:txBody>
+                  <a:tcPr marL="68580" marR="68580" marT="0" marB="0"/>
+                </a:tc>
+                <a:tc>
+                  <a:txBody>
+                    <a:bodyPr/>
+                    <a:lstStyle/>
+                    <a:p>
+                      <a:pPr algn="l">
+                        <a:spcAft>
+                          <a:spcPts val="0"/>
+                        </a:spcAft>
+                      </a:pPr>
+                      <a:r>
+                        <a:rPr lang="id-ID" sz="1600" dirty="0">
+                          <a:effectLst/>
+                          <a:latin typeface="Times New Roman" pitchFamily="18" charset="0"/>
+                          <a:cs typeface="Times New Roman" pitchFamily="18" charset="0"/>
+                        </a:rPr>
+                        <a:t>Sistem dapat memanggil data dari daftar ambulan</a:t>
+                      </a:r>
+                      <a:endParaRPr lang="id-ID" sz="1600" dirty="0">
+                        <a:effectLst/>
+                        <a:latin typeface="Times New Roman" pitchFamily="18" charset="0"/>
+                        <a:ea typeface="Times New Roman"/>
+                        <a:cs typeface="Times New Roman" pitchFamily="18" charset="0"/>
+                      </a:endParaRPr>
+                    </a:p>
+                  </a:txBody>
+                  <a:tcPr marL="68580" marR="68580" marT="0" marB="0"/>
+                </a:tc>
+              </a:tr>
+              <a:tr h="452950">
+                <a:tc>
+                  <a:txBody>
+                    <a:bodyPr/>
+                    <a:lstStyle/>
+                    <a:p>
+                      <a:pPr algn="ctr">
+                        <a:spcAft>
+                          <a:spcPts val="0"/>
+                        </a:spcAft>
+                      </a:pPr>
+                      <a:r>
+                        <a:rPr lang="id-ID" sz="1600" dirty="0">
+                          <a:effectLst/>
+                          <a:latin typeface="Times New Roman" pitchFamily="18" charset="0"/>
+                          <a:cs typeface="Times New Roman" pitchFamily="18" charset="0"/>
+                        </a:rPr>
+                        <a:t>ADB-F-06</a:t>
+                      </a:r>
+                      <a:endParaRPr lang="id-ID" sz="1600" dirty="0">
+                        <a:effectLst/>
+                        <a:latin typeface="Times New Roman" pitchFamily="18" charset="0"/>
+                        <a:ea typeface="Times New Roman"/>
+                        <a:cs typeface="Times New Roman" pitchFamily="18" charset="0"/>
+                      </a:endParaRPr>
+                    </a:p>
+                  </a:txBody>
+                  <a:tcPr marL="68580" marR="68580" marT="0" marB="0"/>
+                </a:tc>
+                <a:tc>
+                  <a:txBody>
+                    <a:bodyPr/>
+                    <a:lstStyle/>
+                    <a:p>
+                      <a:pPr algn="l">
+                        <a:spcAft>
+                          <a:spcPts val="0"/>
+                        </a:spcAft>
+                      </a:pPr>
+                      <a:r>
+                        <a:rPr lang="id-ID" sz="1600" dirty="0">
+                          <a:effectLst/>
+                          <a:latin typeface="Times New Roman" pitchFamily="18" charset="0"/>
+                          <a:cs typeface="Times New Roman" pitchFamily="18" charset="0"/>
+                        </a:rPr>
+                        <a:t>Sistem dapat menampilkan Form Pemadam</a:t>
+                      </a:r>
+                      <a:endParaRPr lang="id-ID" sz="1600" dirty="0">
+                        <a:effectLst/>
+                        <a:latin typeface="Times New Roman" pitchFamily="18" charset="0"/>
+                        <a:ea typeface="Times New Roman"/>
+                        <a:cs typeface="Times New Roman" pitchFamily="18" charset="0"/>
+                      </a:endParaRPr>
+                    </a:p>
+                  </a:txBody>
+                  <a:tcPr marL="68580" marR="68580" marT="0" marB="0"/>
+                </a:tc>
+                <a:tc>
+                  <a:txBody>
+                    <a:bodyPr/>
+                    <a:lstStyle/>
+                    <a:p>
+                      <a:pPr algn="l">
+                        <a:spcAft>
+                          <a:spcPts val="0"/>
+                        </a:spcAft>
+                      </a:pPr>
+                      <a:r>
+                        <a:rPr lang="id-ID" sz="1600" dirty="0">
+                          <a:effectLst/>
+                          <a:latin typeface="Times New Roman" pitchFamily="18" charset="0"/>
+                          <a:cs typeface="Times New Roman" pitchFamily="18" charset="0"/>
+                        </a:rPr>
+                        <a:t>Sistem dapat menampilkan  data dari beberapa nama kota</a:t>
+                      </a:r>
+                      <a:endParaRPr lang="id-ID" sz="1600" dirty="0">
+                        <a:effectLst/>
+                        <a:latin typeface="Times New Roman" pitchFamily="18" charset="0"/>
+                        <a:ea typeface="Times New Roman"/>
+                        <a:cs typeface="Times New Roman" pitchFamily="18" charset="0"/>
+                      </a:endParaRPr>
+                    </a:p>
+                  </a:txBody>
+                  <a:tcPr marL="68580" marR="68580" marT="0" marB="0"/>
+                </a:tc>
+              </a:tr>
+              <a:tr h="452950">
+                <a:tc>
+                  <a:txBody>
+                    <a:bodyPr/>
+                    <a:lstStyle/>
+                    <a:p>
+                      <a:pPr algn="ctr">
+                        <a:spcAft>
+                          <a:spcPts val="0"/>
+                        </a:spcAft>
+                      </a:pPr>
+                      <a:r>
+                        <a:rPr lang="id-ID" sz="1600" dirty="0">
+                          <a:effectLst/>
+                          <a:latin typeface="Times New Roman" pitchFamily="18" charset="0"/>
+                          <a:cs typeface="Times New Roman" pitchFamily="18" charset="0"/>
+                        </a:rPr>
+                        <a:t>ADB-F-07</a:t>
+                      </a:r>
+                      <a:endParaRPr lang="id-ID" sz="1600" dirty="0">
+                        <a:effectLst/>
+                        <a:latin typeface="Times New Roman" pitchFamily="18" charset="0"/>
+                        <a:ea typeface="Times New Roman"/>
+                        <a:cs typeface="Times New Roman" pitchFamily="18" charset="0"/>
+                      </a:endParaRPr>
+                    </a:p>
+                  </a:txBody>
+                  <a:tcPr marL="68580" marR="68580" marT="0" marB="0"/>
+                </a:tc>
+                <a:tc>
+                  <a:txBody>
+                    <a:bodyPr/>
+                    <a:lstStyle/>
+                    <a:p>
+                      <a:pPr algn="l">
+                        <a:spcAft>
+                          <a:spcPts val="0"/>
+                        </a:spcAft>
+                      </a:pPr>
+                      <a:r>
+                        <a:rPr lang="id-ID" sz="1600" dirty="0">
+                          <a:effectLst/>
+                          <a:latin typeface="Times New Roman" pitchFamily="18" charset="0"/>
+                          <a:cs typeface="Times New Roman" pitchFamily="18" charset="0"/>
+                        </a:rPr>
+                        <a:t>Sistem dapat menampilkan Form Kantor Pemadam</a:t>
+                      </a:r>
+                      <a:endParaRPr lang="id-ID" sz="1600" dirty="0">
+                        <a:effectLst/>
+                        <a:latin typeface="Times New Roman" pitchFamily="18" charset="0"/>
+                        <a:ea typeface="Times New Roman"/>
+                        <a:cs typeface="Times New Roman" pitchFamily="18" charset="0"/>
+                      </a:endParaRPr>
+                    </a:p>
+                  </a:txBody>
+                  <a:tcPr marL="68580" marR="68580" marT="0" marB="0"/>
+                </a:tc>
+                <a:tc>
+                  <a:txBody>
+                    <a:bodyPr/>
+                    <a:lstStyle/>
+                    <a:p>
+                      <a:pPr algn="l">
+                        <a:spcAft>
+                          <a:spcPts val="0"/>
+                        </a:spcAft>
+                      </a:pPr>
+                      <a:r>
+                        <a:rPr lang="id-ID" sz="1600" dirty="0">
+                          <a:effectLst/>
+                          <a:latin typeface="Times New Roman" pitchFamily="18" charset="0"/>
+                          <a:cs typeface="Times New Roman" pitchFamily="18" charset="0"/>
+                        </a:rPr>
+                        <a:t>Sistem dapat menampilkan  data dari kantor pemadam</a:t>
+                      </a:r>
+                      <a:endParaRPr lang="id-ID" sz="1600" dirty="0">
+                        <a:effectLst/>
+                        <a:latin typeface="Times New Roman" pitchFamily="18" charset="0"/>
+                        <a:ea typeface="Times New Roman"/>
+                        <a:cs typeface="Times New Roman" pitchFamily="18" charset="0"/>
+                      </a:endParaRPr>
+                    </a:p>
+                  </a:txBody>
+                  <a:tcPr marL="68580" marR="68580" marT="0" marB="0"/>
+                </a:tc>
+              </a:tr>
+              <a:tr h="452950">
+                <a:tc>
+                  <a:txBody>
+                    <a:bodyPr/>
+                    <a:lstStyle/>
+                    <a:p>
+                      <a:pPr algn="ctr">
+                        <a:spcAft>
+                          <a:spcPts val="0"/>
+                        </a:spcAft>
+                      </a:pPr>
+                      <a:r>
+                        <a:rPr lang="id-ID" sz="1600" dirty="0">
+                          <a:effectLst/>
+                          <a:latin typeface="Times New Roman" pitchFamily="18" charset="0"/>
+                          <a:cs typeface="Times New Roman" pitchFamily="18" charset="0"/>
+                        </a:rPr>
+                        <a:t>ADB-F-08</a:t>
+                      </a:r>
+                      <a:endParaRPr lang="id-ID" sz="1600" dirty="0">
+                        <a:effectLst/>
+                        <a:latin typeface="Times New Roman" pitchFamily="18" charset="0"/>
+                        <a:ea typeface="Times New Roman"/>
+                        <a:cs typeface="Times New Roman" pitchFamily="18" charset="0"/>
+                      </a:endParaRPr>
+                    </a:p>
+                  </a:txBody>
+                  <a:tcPr marL="68580" marR="68580" marT="0" marB="0"/>
+                </a:tc>
+                <a:tc>
+                  <a:txBody>
+                    <a:bodyPr/>
+                    <a:lstStyle/>
+                    <a:p>
+                      <a:pPr algn="l">
+                        <a:spcAft>
+                          <a:spcPts val="0"/>
+                        </a:spcAft>
+                      </a:pPr>
+                      <a:r>
+                        <a:rPr lang="id-ID" sz="1600" dirty="0">
+                          <a:effectLst/>
+                          <a:latin typeface="Times New Roman" pitchFamily="18" charset="0"/>
+                          <a:cs typeface="Times New Roman" pitchFamily="18" charset="0"/>
+                        </a:rPr>
+                        <a:t>Sistem dapat menampilkan Form calling Pemadam</a:t>
+                      </a:r>
+                      <a:endParaRPr lang="id-ID" sz="1600" dirty="0">
+                        <a:effectLst/>
+                        <a:latin typeface="Times New Roman" pitchFamily="18" charset="0"/>
+                        <a:ea typeface="Times New Roman"/>
+                        <a:cs typeface="Times New Roman" pitchFamily="18" charset="0"/>
+                      </a:endParaRPr>
+                    </a:p>
+                  </a:txBody>
+                  <a:tcPr marL="68580" marR="68580" marT="0" marB="0"/>
+                </a:tc>
+                <a:tc>
+                  <a:txBody>
+                    <a:bodyPr/>
+                    <a:lstStyle/>
+                    <a:p>
+                      <a:pPr algn="l">
+                        <a:spcAft>
+                          <a:spcPts val="0"/>
+                        </a:spcAft>
+                      </a:pPr>
+                      <a:r>
+                        <a:rPr lang="id-ID" sz="1600" dirty="0">
+                          <a:effectLst/>
+                          <a:latin typeface="Times New Roman" pitchFamily="18" charset="0"/>
+                          <a:cs typeface="Times New Roman" pitchFamily="18" charset="0"/>
+                        </a:rPr>
+                        <a:t>Sistem dapat memanggil data dari kantor pemadam</a:t>
+                      </a:r>
+                      <a:endParaRPr lang="id-ID" sz="1600" dirty="0">
+                        <a:effectLst/>
+                        <a:latin typeface="Times New Roman" pitchFamily="18" charset="0"/>
+                        <a:ea typeface="Times New Roman"/>
+                        <a:cs typeface="Times New Roman" pitchFamily="18" charset="0"/>
+                      </a:endParaRPr>
+                    </a:p>
+                  </a:txBody>
+                  <a:tcPr marL="68580" marR="68580" marT="0" marB="0"/>
+                </a:tc>
+              </a:tr>
+              <a:tr h="452950">
+                <a:tc>
+                  <a:txBody>
+                    <a:bodyPr/>
+                    <a:lstStyle/>
+                    <a:p>
+                      <a:pPr algn="ctr">
+                        <a:spcAft>
+                          <a:spcPts val="0"/>
+                        </a:spcAft>
+                      </a:pPr>
+                      <a:r>
+                        <a:rPr lang="id-ID" sz="1600" dirty="0">
+                          <a:effectLst/>
+                          <a:latin typeface="Times New Roman" pitchFamily="18" charset="0"/>
+                          <a:cs typeface="Times New Roman" pitchFamily="18" charset="0"/>
+                        </a:rPr>
+                        <a:t>ADB-F-09</a:t>
+                      </a:r>
+                      <a:endParaRPr lang="id-ID" sz="1600" dirty="0">
+                        <a:effectLst/>
+                        <a:latin typeface="Times New Roman" pitchFamily="18" charset="0"/>
+                        <a:ea typeface="Times New Roman"/>
+                        <a:cs typeface="Times New Roman" pitchFamily="18" charset="0"/>
+                      </a:endParaRPr>
+                    </a:p>
+                  </a:txBody>
+                  <a:tcPr marL="68580" marR="68580" marT="0" marB="0"/>
+                </a:tc>
+                <a:tc>
+                  <a:txBody>
+                    <a:bodyPr/>
+                    <a:lstStyle/>
+                    <a:p>
+                      <a:pPr algn="l">
+                        <a:spcAft>
+                          <a:spcPts val="0"/>
+                        </a:spcAft>
+                      </a:pPr>
+                      <a:r>
+                        <a:rPr lang="id-ID" sz="1600" dirty="0">
+                          <a:effectLst/>
+                          <a:latin typeface="Times New Roman" pitchFamily="18" charset="0"/>
+                          <a:cs typeface="Times New Roman" pitchFamily="18" charset="0"/>
+                        </a:rPr>
+                        <a:t>Sistem dapat menampilkan Form Polisi</a:t>
+                      </a:r>
+                      <a:endParaRPr lang="id-ID" sz="1600" dirty="0">
+                        <a:effectLst/>
+                        <a:latin typeface="Times New Roman" pitchFamily="18" charset="0"/>
+                        <a:ea typeface="Times New Roman"/>
+                        <a:cs typeface="Times New Roman" pitchFamily="18" charset="0"/>
+                      </a:endParaRPr>
+                    </a:p>
+                  </a:txBody>
+                  <a:tcPr marL="68580" marR="68580" marT="0" marB="0"/>
+                </a:tc>
+                <a:tc>
+                  <a:txBody>
+                    <a:bodyPr/>
+                    <a:lstStyle/>
+                    <a:p>
+                      <a:pPr algn="l">
+                        <a:spcAft>
+                          <a:spcPts val="0"/>
+                        </a:spcAft>
+                      </a:pPr>
+                      <a:r>
+                        <a:rPr lang="id-ID" sz="1600" dirty="0">
+                          <a:effectLst/>
+                          <a:latin typeface="Times New Roman" pitchFamily="18" charset="0"/>
+                          <a:cs typeface="Times New Roman" pitchFamily="18" charset="0"/>
+                        </a:rPr>
+                        <a:t>Sistem dapat menampilkan  data dari nama kota</a:t>
+                      </a:r>
+                      <a:endParaRPr lang="id-ID" sz="1600" dirty="0">
+                        <a:effectLst/>
+                        <a:latin typeface="Times New Roman" pitchFamily="18" charset="0"/>
+                        <a:ea typeface="Times New Roman"/>
+                        <a:cs typeface="Times New Roman" pitchFamily="18" charset="0"/>
+                      </a:endParaRPr>
+                    </a:p>
+                  </a:txBody>
+                  <a:tcPr marL="68580" marR="68580" marT="0" marB="0"/>
+                </a:tc>
+              </a:tr>
+              <a:tr h="452950">
+                <a:tc>
+                  <a:txBody>
+                    <a:bodyPr/>
+                    <a:lstStyle/>
+                    <a:p>
+                      <a:pPr algn="ctr">
+                        <a:spcAft>
+                          <a:spcPts val="0"/>
+                        </a:spcAft>
+                      </a:pPr>
+                      <a:r>
+                        <a:rPr lang="id-ID" sz="1600" dirty="0">
+                          <a:effectLst/>
+                          <a:latin typeface="Times New Roman" pitchFamily="18" charset="0"/>
+                          <a:cs typeface="Times New Roman" pitchFamily="18" charset="0"/>
+                        </a:rPr>
+                        <a:t>ADB-F-10</a:t>
+                      </a:r>
+                      <a:endParaRPr lang="id-ID" sz="1600" dirty="0">
+                        <a:effectLst/>
+                        <a:latin typeface="Times New Roman" pitchFamily="18" charset="0"/>
+                        <a:ea typeface="Times New Roman"/>
+                        <a:cs typeface="Times New Roman" pitchFamily="18" charset="0"/>
+                      </a:endParaRPr>
+                    </a:p>
+                  </a:txBody>
+                  <a:tcPr marL="68580" marR="68580" marT="0" marB="0"/>
+                </a:tc>
+                <a:tc>
+                  <a:txBody>
+                    <a:bodyPr/>
+                    <a:lstStyle/>
+                    <a:p>
+                      <a:pPr algn="l">
+                        <a:spcAft>
+                          <a:spcPts val="0"/>
+                        </a:spcAft>
+                      </a:pPr>
+                      <a:r>
+                        <a:rPr lang="id-ID" sz="1600" dirty="0">
+                          <a:effectLst/>
+                          <a:latin typeface="Times New Roman" pitchFamily="18" charset="0"/>
+                          <a:cs typeface="Times New Roman" pitchFamily="18" charset="0"/>
+                        </a:rPr>
+                        <a:t>Sistem dapat menampilkan Form Kantor Polisi</a:t>
+                      </a:r>
+                      <a:endParaRPr lang="id-ID" sz="1600" dirty="0">
+                        <a:effectLst/>
+                        <a:latin typeface="Times New Roman" pitchFamily="18" charset="0"/>
+                        <a:ea typeface="Times New Roman"/>
+                        <a:cs typeface="Times New Roman" pitchFamily="18" charset="0"/>
+                      </a:endParaRPr>
+                    </a:p>
+                  </a:txBody>
+                  <a:tcPr marL="68580" marR="68580" marT="0" marB="0"/>
+                </a:tc>
+                <a:tc>
+                  <a:txBody>
+                    <a:bodyPr/>
+                    <a:lstStyle/>
+                    <a:p>
+                      <a:pPr algn="l">
+                        <a:spcAft>
+                          <a:spcPts val="0"/>
+                        </a:spcAft>
+                      </a:pPr>
+                      <a:r>
+                        <a:rPr lang="id-ID" sz="1600" dirty="0">
+                          <a:effectLst/>
+                          <a:latin typeface="Times New Roman" pitchFamily="18" charset="0"/>
+                          <a:cs typeface="Times New Roman" pitchFamily="18" charset="0"/>
+                        </a:rPr>
+                        <a:t>Sistem dapat menampilkan  data dari kantor polisi</a:t>
+                      </a:r>
+                      <a:endParaRPr lang="id-ID" sz="1600" dirty="0">
+                        <a:effectLst/>
+                        <a:latin typeface="Times New Roman" pitchFamily="18" charset="0"/>
+                        <a:ea typeface="Times New Roman"/>
+                        <a:cs typeface="Times New Roman" pitchFamily="18" charset="0"/>
+                      </a:endParaRPr>
+                    </a:p>
+                  </a:txBody>
+                  <a:tcPr marL="68580" marR="68580" marT="0" marB="0"/>
+                </a:tc>
+              </a:tr>
+              <a:tr h="452950">
+                <a:tc>
+                  <a:txBody>
+                    <a:bodyPr/>
+                    <a:lstStyle/>
+                    <a:p>
+                      <a:pPr algn="ctr">
+                        <a:spcAft>
+                          <a:spcPts val="0"/>
+                        </a:spcAft>
+                      </a:pPr>
+                      <a:r>
+                        <a:rPr lang="id-ID" sz="1600" dirty="0">
+                          <a:effectLst/>
+                          <a:latin typeface="Times New Roman" pitchFamily="18" charset="0"/>
+                          <a:cs typeface="Times New Roman" pitchFamily="18" charset="0"/>
+                        </a:rPr>
+                        <a:t>ADB-F-11</a:t>
+                      </a:r>
+                      <a:endParaRPr lang="id-ID" sz="1600" dirty="0">
+                        <a:effectLst/>
+                        <a:latin typeface="Times New Roman" pitchFamily="18" charset="0"/>
+                        <a:ea typeface="Times New Roman"/>
+                        <a:cs typeface="Times New Roman" pitchFamily="18" charset="0"/>
+                      </a:endParaRPr>
+                    </a:p>
+                  </a:txBody>
+                  <a:tcPr marL="68580" marR="68580" marT="0" marB="0"/>
+                </a:tc>
+                <a:tc>
+                  <a:txBody>
+                    <a:bodyPr/>
+                    <a:lstStyle/>
+                    <a:p>
+                      <a:pPr algn="l">
+                        <a:spcAft>
+                          <a:spcPts val="0"/>
+                        </a:spcAft>
+                      </a:pPr>
+                      <a:r>
+                        <a:rPr lang="id-ID" sz="1600" dirty="0">
+                          <a:effectLst/>
+                          <a:latin typeface="Times New Roman" pitchFamily="18" charset="0"/>
+                          <a:cs typeface="Times New Roman" pitchFamily="18" charset="0"/>
+                        </a:rPr>
+                        <a:t>Sistem dapat menampilkan Form calling Polisi</a:t>
+                      </a:r>
+                      <a:endParaRPr lang="id-ID" sz="1600" dirty="0">
+                        <a:effectLst/>
+                        <a:latin typeface="Times New Roman" pitchFamily="18" charset="0"/>
+                        <a:ea typeface="Times New Roman"/>
+                        <a:cs typeface="Times New Roman" pitchFamily="18" charset="0"/>
+                      </a:endParaRPr>
+                    </a:p>
+                  </a:txBody>
+                  <a:tcPr marL="68580" marR="68580" marT="0" marB="0"/>
+                </a:tc>
+                <a:tc>
+                  <a:txBody>
+                    <a:bodyPr/>
+                    <a:lstStyle/>
+                    <a:p>
+                      <a:pPr algn="l">
+                        <a:spcAft>
+                          <a:spcPts val="0"/>
+                        </a:spcAft>
+                      </a:pPr>
+                      <a:r>
+                        <a:rPr lang="id-ID" sz="1600" dirty="0">
+                          <a:effectLst/>
+                          <a:latin typeface="Times New Roman" pitchFamily="18" charset="0"/>
+                          <a:cs typeface="Times New Roman" pitchFamily="18" charset="0"/>
+                        </a:rPr>
+                        <a:t>Sistem dapat memanggil data dari kantor polisi</a:t>
+                      </a:r>
+                      <a:endParaRPr lang="id-ID" sz="1600" dirty="0">
+                        <a:effectLst/>
+                        <a:latin typeface="Times New Roman" pitchFamily="18" charset="0"/>
+                        <a:ea typeface="Times New Roman"/>
+                        <a:cs typeface="Times New Roman" pitchFamily="18" charset="0"/>
+                      </a:endParaRPr>
+                    </a:p>
+                  </a:txBody>
+                  <a:tcPr marL="68580" marR="68580" marT="0" marB="0"/>
+                </a:tc>
+              </a:tr>
+            </a:tbl>
+          </a:graphicData>
+        </a:graphic>
+      </p:graphicFrame>
+    </p:spTree>
+    <p:extLst>
+      <p:ext uri="{BB962C8B-B14F-4D97-AF65-F5344CB8AC3E}">
+        <p14:creationId xmlns:p14="http://schemas.microsoft.com/office/powerpoint/2010/main" val="219511973"/>
+      </p:ext>
+    </p:extLst>
+  </p:cSld>
+  <p:clrMapOvr>
+    <a:masterClrMapping/>
+  </p:clrMapOvr>
+  <p:timing>
+    <p:tnLst>
+      <p:par>
+        <p:cTn id="1" dur="indefinite" restart="never" nodeType="tmRoot"/>
+      </p:par>
+    </p:tnLst>
+  </p:timing>
+</p:sld>
+</file>
+
+<file path=ppt/slides/slide6.xml><?xml version="1.0" encoding="utf-8"?>
+<p:sld xmlns:a="http://schemas.openxmlformats.org/drawingml/2006/main" xmlns:r="http://schemas.openxmlformats.org/officeDocument/2006/relationships" xmlns:p="http://schemas.openxmlformats.org/presentationml/2006/main">
+  <p:cSld>
+    <p:spTree>
+      <p:nvGrpSpPr>
+        <p:cNvPr id="1" name=""/>
+        <p:cNvGrpSpPr/>
+        <p:nvPr/>
+      </p:nvGrpSpPr>
+      <p:grpSpPr>
+        <a:xfrm>
+          <a:off x="0" y="0"/>
+          <a:ext cx="0" cy="0"/>
+          <a:chOff x="0" y="0"/>
+          <a:chExt cx="0" cy="0"/>
+        </a:xfrm>
+      </p:grpSpPr>
+      <p:sp>
+        <p:nvSpPr>
+          <p:cNvPr id="2" name="Title 1"/>
+          <p:cNvSpPr>
+            <a:spLocks noGrp="1"/>
+          </p:cNvSpPr>
+          <p:nvPr>
+            <p:ph type="title"/>
+          </p:nvPr>
+        </p:nvSpPr>
+        <p:spPr/>
+        <p:txBody>
+          <a:bodyPr/>
+          <a:lstStyle/>
+          <a:p>
+            <a:pPr algn="ctr"/>
+            <a:r>
+              <a:rPr lang="id-ID" dirty="0" smtClean="0"/>
+              <a:t>Non Fungsional </a:t>
+            </a:r>
+            <a:r>
+              <a:rPr lang="id-ID" dirty="0"/>
+              <a:t>Requetment</a:t>
+            </a:r>
+          </a:p>
+        </p:txBody>
+      </p:sp>
+      <p:graphicFrame>
+        <p:nvGraphicFramePr>
+          <p:cNvPr id="4" name="Content Placeholder 3"/>
+          <p:cNvGraphicFramePr>
+            <a:graphicFrameLocks noGrp="1"/>
+          </p:cNvGraphicFramePr>
+          <p:nvPr>
+            <p:ph idx="1"/>
+            <p:extLst>
+              <p:ext uri="{D42A27DB-BD31-4B8C-83A1-F6EECF244321}">
+                <p14:modId xmlns:p14="http://schemas.microsoft.com/office/powerpoint/2010/main" val="3290013106"/>
+              </p:ext>
+            </p:extLst>
+          </p:nvPr>
+        </p:nvGraphicFramePr>
+        <p:xfrm>
+          <a:off x="251520" y="1412779"/>
+          <a:ext cx="8712968" cy="5184572"/>
+        </p:xfrm>
+        <a:graphic>
+          <a:graphicData uri="http://schemas.openxmlformats.org/drawingml/2006/table">
+            <a:tbl>
+              <a:tblPr>
+                <a:tableStyleId>{5C22544A-7EE6-4342-B048-85BDC9FD1C3A}</a:tableStyleId>
+              </a:tblPr>
+              <a:tblGrid>
+                <a:gridCol w="1731558"/>
+                <a:gridCol w="2024498"/>
+                <a:gridCol w="4956912"/>
+              </a:tblGrid>
+              <a:tr h="506022">
+                <a:tc>
+                  <a:txBody>
+                    <a:bodyPr/>
+                    <a:lstStyle/>
+                    <a:p>
+                      <a:pPr algn="ctr">
+                        <a:lnSpc>
+                          <a:spcPct val="150000"/>
+                        </a:lnSpc>
+                        <a:spcAft>
+                          <a:spcPts val="0"/>
+                        </a:spcAft>
+                      </a:pPr>
+                      <a:r>
+                        <a:rPr lang="id-ID" sz="1800" dirty="0">
+                          <a:effectLst/>
+                          <a:latin typeface="Times New Roman" pitchFamily="18" charset="0"/>
+                          <a:cs typeface="Times New Roman" pitchFamily="18" charset="0"/>
+                        </a:rPr>
+                        <a:t>ID</a:t>
+                      </a:r>
+                      <a:endParaRPr lang="id-ID" sz="1800" dirty="0">
+                        <a:effectLst/>
+                        <a:latin typeface="Times New Roman" pitchFamily="18" charset="0"/>
+                        <a:ea typeface="Times New Roman"/>
+                        <a:cs typeface="Times New Roman" pitchFamily="18" charset="0"/>
+                      </a:endParaRPr>
+                    </a:p>
+                  </a:txBody>
+                  <a:tcPr marL="68580" marR="68580" marT="0" marB="0"/>
+                </a:tc>
+                <a:tc>
+                  <a:txBody>
+                    <a:bodyPr/>
+                    <a:lstStyle/>
+                    <a:p>
+                      <a:pPr algn="ctr">
+                        <a:lnSpc>
+                          <a:spcPct val="150000"/>
+                        </a:lnSpc>
+                        <a:spcAft>
+                          <a:spcPts val="0"/>
+                        </a:spcAft>
+                      </a:pPr>
+                      <a:r>
+                        <a:rPr lang="en-GB" sz="1800">
+                          <a:effectLst/>
+                          <a:latin typeface="Times New Roman" pitchFamily="18" charset="0"/>
+                          <a:cs typeface="Times New Roman" pitchFamily="18" charset="0"/>
+                        </a:rPr>
+                        <a:t>Parameter</a:t>
+                      </a:r>
+                      <a:endParaRPr lang="id-ID" sz="1800">
+                        <a:effectLst/>
+                        <a:latin typeface="Times New Roman" pitchFamily="18" charset="0"/>
+                        <a:ea typeface="Times New Roman"/>
+                        <a:cs typeface="Times New Roman" pitchFamily="18" charset="0"/>
+                      </a:endParaRPr>
+                    </a:p>
+                  </a:txBody>
+                  <a:tcPr marL="68580" marR="68580" marT="0" marB="0"/>
+                </a:tc>
+                <a:tc>
+                  <a:txBody>
+                    <a:bodyPr/>
+                    <a:lstStyle/>
+                    <a:p>
+                      <a:pPr algn="ctr">
+                        <a:lnSpc>
+                          <a:spcPct val="150000"/>
+                        </a:lnSpc>
+                        <a:spcAft>
+                          <a:spcPts val="0"/>
+                        </a:spcAft>
+                      </a:pPr>
+                      <a:r>
+                        <a:rPr lang="id-ID" sz="1800">
+                          <a:effectLst/>
+                          <a:latin typeface="Times New Roman" pitchFamily="18" charset="0"/>
+                          <a:cs typeface="Times New Roman" pitchFamily="18" charset="0"/>
+                        </a:rPr>
+                        <a:t>Kebutuhan</a:t>
+                      </a:r>
+                      <a:endParaRPr lang="id-ID" sz="1800">
+                        <a:effectLst/>
+                        <a:latin typeface="Times New Roman" pitchFamily="18" charset="0"/>
+                        <a:ea typeface="Times New Roman"/>
+                        <a:cs typeface="Times New Roman" pitchFamily="18" charset="0"/>
+                      </a:endParaRPr>
+                    </a:p>
+                  </a:txBody>
+                  <a:tcPr marL="68580" marR="68580" marT="0" marB="0"/>
+                </a:tc>
+              </a:tr>
+              <a:tr h="506022">
+                <a:tc>
+                  <a:txBody>
+                    <a:bodyPr/>
+                    <a:lstStyle/>
+                    <a:p>
+                      <a:pPr algn="ctr">
+                        <a:lnSpc>
+                          <a:spcPct val="150000"/>
+                        </a:lnSpc>
+                        <a:spcAft>
+                          <a:spcPts val="0"/>
+                        </a:spcAft>
+                      </a:pPr>
+                      <a:r>
+                        <a:rPr lang="id-ID" sz="1800" dirty="0">
+                          <a:effectLst/>
+                          <a:latin typeface="Times New Roman" pitchFamily="18" charset="0"/>
+                          <a:cs typeface="Times New Roman" pitchFamily="18" charset="0"/>
+                        </a:rPr>
+                        <a:t>ADB-NF-01</a:t>
+                      </a:r>
+                      <a:endParaRPr lang="id-ID" sz="1800" dirty="0">
+                        <a:effectLst/>
+                        <a:latin typeface="Times New Roman" pitchFamily="18" charset="0"/>
+                        <a:ea typeface="Times New Roman"/>
+                        <a:cs typeface="Times New Roman" pitchFamily="18" charset="0"/>
+                      </a:endParaRPr>
+                    </a:p>
+                  </a:txBody>
+                  <a:tcPr marL="68580" marR="68580" marT="0" marB="0"/>
+                </a:tc>
+                <a:tc>
+                  <a:txBody>
+                    <a:bodyPr/>
+                    <a:lstStyle/>
+                    <a:p>
+                      <a:pPr algn="just">
+                        <a:lnSpc>
+                          <a:spcPct val="150000"/>
+                        </a:lnSpc>
+                        <a:spcAft>
+                          <a:spcPts val="0"/>
+                        </a:spcAft>
+                      </a:pPr>
+                      <a:r>
+                        <a:rPr lang="id-ID" sz="1800" dirty="0">
+                          <a:effectLst/>
+                          <a:latin typeface="Times New Roman" pitchFamily="18" charset="0"/>
+                          <a:cs typeface="Times New Roman" pitchFamily="18" charset="0"/>
+                        </a:rPr>
+                        <a:t>Availability</a:t>
+                      </a:r>
+                      <a:endParaRPr lang="id-ID" sz="1800" dirty="0">
+                        <a:effectLst/>
+                        <a:latin typeface="Times New Roman" pitchFamily="18" charset="0"/>
+                        <a:ea typeface="Times New Roman"/>
+                        <a:cs typeface="Times New Roman" pitchFamily="18" charset="0"/>
+                      </a:endParaRPr>
+                    </a:p>
+                  </a:txBody>
+                  <a:tcPr marL="68580" marR="68580" marT="0" marB="0"/>
+                </a:tc>
+                <a:tc>
+                  <a:txBody>
+                    <a:bodyPr/>
+                    <a:lstStyle/>
+                    <a:p>
+                      <a:pPr>
+                        <a:lnSpc>
+                          <a:spcPct val="150000"/>
+                        </a:lnSpc>
+                        <a:spcAft>
+                          <a:spcPts val="0"/>
+                        </a:spcAft>
+                      </a:pPr>
+                      <a:r>
+                        <a:rPr lang="id-ID" sz="1800">
+                          <a:effectLst/>
+                          <a:latin typeface="Times New Roman" pitchFamily="18" charset="0"/>
+                          <a:cs typeface="Times New Roman" pitchFamily="18" charset="0"/>
+                        </a:rPr>
+                        <a:t>24 jam</a:t>
+                      </a:r>
+                      <a:endParaRPr lang="id-ID" sz="1800">
+                        <a:effectLst/>
+                        <a:latin typeface="Times New Roman" pitchFamily="18" charset="0"/>
+                        <a:ea typeface="Times New Roman"/>
+                        <a:cs typeface="Times New Roman" pitchFamily="18" charset="0"/>
+                      </a:endParaRPr>
+                    </a:p>
+                  </a:txBody>
+                  <a:tcPr marL="68580" marR="68580" marT="0" marB="0"/>
+                </a:tc>
+              </a:tr>
+              <a:tr h="506022">
+                <a:tc>
+                  <a:txBody>
+                    <a:bodyPr/>
+                    <a:lstStyle/>
+                    <a:p>
+                      <a:pPr algn="ctr">
+                        <a:lnSpc>
+                          <a:spcPct val="150000"/>
+                        </a:lnSpc>
+                        <a:spcAft>
+                          <a:spcPts val="0"/>
+                        </a:spcAft>
+                      </a:pPr>
+                      <a:r>
+                        <a:rPr lang="en-GB" sz="1800">
+                          <a:effectLst/>
+                          <a:latin typeface="Times New Roman" pitchFamily="18" charset="0"/>
+                          <a:cs typeface="Times New Roman" pitchFamily="18" charset="0"/>
+                        </a:rPr>
+                        <a:t>ADB-NF-0</a:t>
+                      </a:r>
+                      <a:r>
+                        <a:rPr lang="id-ID" sz="1800">
+                          <a:effectLst/>
+                          <a:latin typeface="Times New Roman" pitchFamily="18" charset="0"/>
+                          <a:cs typeface="Times New Roman" pitchFamily="18" charset="0"/>
+                        </a:rPr>
+                        <a:t>2</a:t>
+                      </a:r>
+                      <a:endParaRPr lang="id-ID" sz="1800">
+                        <a:effectLst/>
+                        <a:latin typeface="Times New Roman" pitchFamily="18" charset="0"/>
+                        <a:ea typeface="Times New Roman"/>
+                        <a:cs typeface="Times New Roman" pitchFamily="18" charset="0"/>
+                      </a:endParaRPr>
+                    </a:p>
+                  </a:txBody>
+                  <a:tcPr marL="68580" marR="68580" marT="0" marB="0"/>
+                </a:tc>
+                <a:tc>
+                  <a:txBody>
+                    <a:bodyPr/>
+                    <a:lstStyle/>
+                    <a:p>
+                      <a:pPr>
+                        <a:lnSpc>
+                          <a:spcPct val="150000"/>
+                        </a:lnSpc>
+                        <a:spcAft>
+                          <a:spcPts val="0"/>
+                        </a:spcAft>
+                      </a:pPr>
+                      <a:r>
+                        <a:rPr lang="en-GB" sz="1800">
+                          <a:effectLst/>
+                          <a:latin typeface="Times New Roman" pitchFamily="18" charset="0"/>
+                          <a:cs typeface="Times New Roman" pitchFamily="18" charset="0"/>
+                        </a:rPr>
+                        <a:t>Reliability</a:t>
+                      </a:r>
+                      <a:endParaRPr lang="id-ID" sz="1800">
+                        <a:effectLst/>
+                        <a:latin typeface="Times New Roman" pitchFamily="18" charset="0"/>
+                        <a:ea typeface="Times New Roman"/>
+                        <a:cs typeface="Times New Roman" pitchFamily="18" charset="0"/>
+                      </a:endParaRPr>
+                    </a:p>
+                  </a:txBody>
+                  <a:tcPr marL="68580" marR="68580" marT="0" marB="0"/>
+                </a:tc>
+                <a:tc>
+                  <a:txBody>
+                    <a:bodyPr/>
+                    <a:lstStyle/>
+                    <a:p>
+                      <a:pPr>
+                        <a:lnSpc>
+                          <a:spcPct val="150000"/>
+                        </a:lnSpc>
+                        <a:spcAft>
+                          <a:spcPts val="0"/>
+                        </a:spcAft>
+                      </a:pPr>
+                      <a:r>
+                        <a:rPr lang="id-ID" sz="1800">
+                          <a:effectLst/>
+                          <a:latin typeface="Times New Roman" pitchFamily="18" charset="0"/>
+                          <a:cs typeface="Times New Roman" pitchFamily="18" charset="0"/>
+                        </a:rPr>
+                        <a:t>N/A</a:t>
+                      </a:r>
+                      <a:endParaRPr lang="id-ID" sz="1800">
+                        <a:effectLst/>
+                        <a:latin typeface="Times New Roman" pitchFamily="18" charset="0"/>
+                        <a:ea typeface="Times New Roman"/>
+                        <a:cs typeface="Times New Roman" pitchFamily="18" charset="0"/>
+                      </a:endParaRPr>
+                    </a:p>
+                  </a:txBody>
+                  <a:tcPr marL="68580" marR="68580" marT="0" marB="0"/>
+                </a:tc>
+              </a:tr>
+              <a:tr h="506022">
+                <a:tc>
+                  <a:txBody>
+                    <a:bodyPr/>
+                    <a:lstStyle/>
+                    <a:p>
+                      <a:pPr algn="ctr">
+                        <a:lnSpc>
+                          <a:spcPct val="150000"/>
+                        </a:lnSpc>
+                        <a:spcAft>
+                          <a:spcPts val="0"/>
+                        </a:spcAft>
+                      </a:pPr>
+                      <a:r>
+                        <a:rPr lang="en-GB" sz="1800">
+                          <a:effectLst/>
+                          <a:latin typeface="Times New Roman" pitchFamily="18" charset="0"/>
+                          <a:cs typeface="Times New Roman" pitchFamily="18" charset="0"/>
+                        </a:rPr>
+                        <a:t>ADB-NF-0</a:t>
+                      </a:r>
+                      <a:r>
+                        <a:rPr lang="id-ID" sz="1800">
+                          <a:effectLst/>
+                          <a:latin typeface="Times New Roman" pitchFamily="18" charset="0"/>
+                          <a:cs typeface="Times New Roman" pitchFamily="18" charset="0"/>
+                        </a:rPr>
+                        <a:t>3</a:t>
+                      </a:r>
+                      <a:endParaRPr lang="id-ID" sz="1800">
+                        <a:effectLst/>
+                        <a:latin typeface="Times New Roman" pitchFamily="18" charset="0"/>
+                        <a:ea typeface="Times New Roman"/>
+                        <a:cs typeface="Times New Roman" pitchFamily="18" charset="0"/>
+                      </a:endParaRPr>
+                    </a:p>
+                  </a:txBody>
+                  <a:tcPr marL="68580" marR="68580" marT="0" marB="0"/>
+                </a:tc>
+                <a:tc>
+                  <a:txBody>
+                    <a:bodyPr/>
+                    <a:lstStyle/>
+                    <a:p>
+                      <a:pPr>
+                        <a:lnSpc>
+                          <a:spcPct val="150000"/>
+                        </a:lnSpc>
+                        <a:spcAft>
+                          <a:spcPts val="0"/>
+                        </a:spcAft>
+                      </a:pPr>
+                      <a:r>
+                        <a:rPr lang="en-GB" sz="1800">
+                          <a:effectLst/>
+                          <a:latin typeface="Times New Roman" pitchFamily="18" charset="0"/>
+                          <a:cs typeface="Times New Roman" pitchFamily="18" charset="0"/>
+                        </a:rPr>
+                        <a:t>Ergonomy</a:t>
+                      </a:r>
+                      <a:endParaRPr lang="id-ID" sz="1800">
+                        <a:effectLst/>
+                        <a:latin typeface="Times New Roman" pitchFamily="18" charset="0"/>
+                        <a:ea typeface="Times New Roman"/>
+                        <a:cs typeface="Times New Roman" pitchFamily="18" charset="0"/>
+                      </a:endParaRPr>
+                    </a:p>
+                  </a:txBody>
+                  <a:tcPr marL="68580" marR="68580" marT="0" marB="0"/>
+                </a:tc>
+                <a:tc>
+                  <a:txBody>
+                    <a:bodyPr/>
+                    <a:lstStyle/>
+                    <a:p>
+                      <a:pPr>
+                        <a:lnSpc>
+                          <a:spcPct val="150000"/>
+                        </a:lnSpc>
+                        <a:spcAft>
+                          <a:spcPts val="0"/>
+                        </a:spcAft>
+                      </a:pPr>
+                      <a:r>
+                        <a:rPr lang="id-ID" sz="1800">
+                          <a:effectLst/>
+                          <a:latin typeface="Times New Roman" pitchFamily="18" charset="0"/>
+                          <a:cs typeface="Times New Roman" pitchFamily="18" charset="0"/>
+                        </a:rPr>
+                        <a:t>Minimalis dan menarik</a:t>
+                      </a:r>
+                      <a:endParaRPr lang="id-ID" sz="1800">
+                        <a:effectLst/>
+                        <a:latin typeface="Times New Roman" pitchFamily="18" charset="0"/>
+                        <a:ea typeface="Times New Roman"/>
+                        <a:cs typeface="Times New Roman" pitchFamily="18" charset="0"/>
+                      </a:endParaRPr>
+                    </a:p>
+                  </a:txBody>
+                  <a:tcPr marL="68580" marR="68580" marT="0" marB="0"/>
+                </a:tc>
+              </a:tr>
+              <a:tr h="506022">
+                <a:tc>
+                  <a:txBody>
+                    <a:bodyPr/>
+                    <a:lstStyle/>
+                    <a:p>
+                      <a:pPr algn="ctr">
+                        <a:lnSpc>
+                          <a:spcPct val="150000"/>
+                        </a:lnSpc>
+                        <a:spcAft>
+                          <a:spcPts val="0"/>
+                        </a:spcAft>
+                      </a:pPr>
+                      <a:r>
+                        <a:rPr lang="en-GB" sz="1800">
+                          <a:effectLst/>
+                          <a:latin typeface="Times New Roman" pitchFamily="18" charset="0"/>
+                          <a:cs typeface="Times New Roman" pitchFamily="18" charset="0"/>
+                        </a:rPr>
+                        <a:t>ADB-NF-0</a:t>
+                      </a:r>
+                      <a:r>
+                        <a:rPr lang="id-ID" sz="1800">
+                          <a:effectLst/>
+                          <a:latin typeface="Times New Roman" pitchFamily="18" charset="0"/>
+                          <a:cs typeface="Times New Roman" pitchFamily="18" charset="0"/>
+                        </a:rPr>
+                        <a:t>4</a:t>
+                      </a:r>
+                      <a:endParaRPr lang="id-ID" sz="1800">
+                        <a:effectLst/>
+                        <a:latin typeface="Times New Roman" pitchFamily="18" charset="0"/>
+                        <a:ea typeface="Times New Roman"/>
+                        <a:cs typeface="Times New Roman" pitchFamily="18" charset="0"/>
+                      </a:endParaRPr>
+                    </a:p>
+                  </a:txBody>
+                  <a:tcPr marL="68580" marR="68580" marT="0" marB="0"/>
+                </a:tc>
+                <a:tc>
+                  <a:txBody>
+                    <a:bodyPr/>
+                    <a:lstStyle/>
+                    <a:p>
+                      <a:pPr>
+                        <a:lnSpc>
+                          <a:spcPct val="150000"/>
+                        </a:lnSpc>
+                        <a:spcAft>
+                          <a:spcPts val="0"/>
+                        </a:spcAft>
+                      </a:pPr>
+                      <a:r>
+                        <a:rPr lang="en-GB" sz="1800">
+                          <a:effectLst/>
+                          <a:latin typeface="Times New Roman" pitchFamily="18" charset="0"/>
+                          <a:cs typeface="Times New Roman" pitchFamily="18" charset="0"/>
+                        </a:rPr>
+                        <a:t>Portability</a:t>
+                      </a:r>
+                      <a:endParaRPr lang="id-ID" sz="1800">
+                        <a:effectLst/>
+                        <a:latin typeface="Times New Roman" pitchFamily="18" charset="0"/>
+                        <a:ea typeface="Times New Roman"/>
+                        <a:cs typeface="Times New Roman" pitchFamily="18" charset="0"/>
+                      </a:endParaRPr>
+                    </a:p>
+                  </a:txBody>
+                  <a:tcPr marL="68580" marR="68580" marT="0" marB="0"/>
+                </a:tc>
+                <a:tc>
+                  <a:txBody>
+                    <a:bodyPr/>
+                    <a:lstStyle/>
+                    <a:p>
+                      <a:pPr>
+                        <a:lnSpc>
+                          <a:spcPct val="150000"/>
+                        </a:lnSpc>
+                        <a:spcAft>
+                          <a:spcPts val="0"/>
+                        </a:spcAft>
+                      </a:pPr>
+                      <a:r>
+                        <a:rPr lang="id-ID" sz="1800">
+                          <a:effectLst/>
+                          <a:latin typeface="Times New Roman" pitchFamily="18" charset="0"/>
+                          <a:cs typeface="Times New Roman" pitchFamily="18" charset="0"/>
+                        </a:rPr>
+                        <a:t>N/A</a:t>
+                      </a:r>
+                      <a:endParaRPr lang="id-ID" sz="1800">
+                        <a:effectLst/>
+                        <a:latin typeface="Times New Roman" pitchFamily="18" charset="0"/>
+                        <a:ea typeface="Times New Roman"/>
+                        <a:cs typeface="Times New Roman" pitchFamily="18" charset="0"/>
+                      </a:endParaRPr>
+                    </a:p>
+                  </a:txBody>
+                  <a:tcPr marL="68580" marR="68580" marT="0" marB="0"/>
+                </a:tc>
+              </a:tr>
+              <a:tr h="506022">
+                <a:tc>
+                  <a:txBody>
+                    <a:bodyPr/>
+                    <a:lstStyle/>
+                    <a:p>
+                      <a:pPr algn="ctr">
+                        <a:lnSpc>
+                          <a:spcPct val="150000"/>
+                        </a:lnSpc>
+                        <a:spcAft>
+                          <a:spcPts val="0"/>
+                        </a:spcAft>
+                      </a:pPr>
+                      <a:r>
+                        <a:rPr lang="en-GB" sz="1800">
+                          <a:effectLst/>
+                          <a:latin typeface="Times New Roman" pitchFamily="18" charset="0"/>
+                          <a:cs typeface="Times New Roman" pitchFamily="18" charset="0"/>
+                        </a:rPr>
+                        <a:t>ADB-NF-0</a:t>
+                      </a:r>
+                      <a:r>
+                        <a:rPr lang="id-ID" sz="1800">
+                          <a:effectLst/>
+                          <a:latin typeface="Times New Roman" pitchFamily="18" charset="0"/>
+                          <a:cs typeface="Times New Roman" pitchFamily="18" charset="0"/>
+                        </a:rPr>
+                        <a:t>5</a:t>
+                      </a:r>
+                      <a:endParaRPr lang="id-ID" sz="1800">
+                        <a:effectLst/>
+                        <a:latin typeface="Times New Roman" pitchFamily="18" charset="0"/>
+                        <a:ea typeface="Times New Roman"/>
+                        <a:cs typeface="Times New Roman" pitchFamily="18" charset="0"/>
+                      </a:endParaRPr>
+                    </a:p>
+                  </a:txBody>
+                  <a:tcPr marL="68580" marR="68580" marT="0" marB="0"/>
+                </a:tc>
+                <a:tc>
+                  <a:txBody>
+                    <a:bodyPr/>
+                    <a:lstStyle/>
+                    <a:p>
+                      <a:pPr>
+                        <a:lnSpc>
+                          <a:spcPct val="150000"/>
+                        </a:lnSpc>
+                        <a:spcAft>
+                          <a:spcPts val="0"/>
+                        </a:spcAft>
+                      </a:pPr>
+                      <a:r>
+                        <a:rPr lang="en-GB" sz="1800" dirty="0">
+                          <a:effectLst/>
+                          <a:latin typeface="Times New Roman" pitchFamily="18" charset="0"/>
+                          <a:cs typeface="Times New Roman" pitchFamily="18" charset="0"/>
+                        </a:rPr>
+                        <a:t>Memory</a:t>
+                      </a:r>
+                      <a:endParaRPr lang="id-ID" sz="1800" dirty="0">
+                        <a:effectLst/>
+                        <a:latin typeface="Times New Roman" pitchFamily="18" charset="0"/>
+                        <a:ea typeface="Times New Roman"/>
+                        <a:cs typeface="Times New Roman" pitchFamily="18" charset="0"/>
+                      </a:endParaRPr>
+                    </a:p>
+                  </a:txBody>
+                  <a:tcPr marL="68580" marR="68580" marT="0" marB="0"/>
+                </a:tc>
+                <a:tc>
+                  <a:txBody>
+                    <a:bodyPr/>
+                    <a:lstStyle/>
+                    <a:p>
+                      <a:pPr>
+                        <a:lnSpc>
+                          <a:spcPct val="150000"/>
+                        </a:lnSpc>
+                        <a:spcAft>
+                          <a:spcPts val="0"/>
+                        </a:spcAft>
+                      </a:pPr>
+                      <a:r>
+                        <a:rPr lang="id-ID" sz="1800">
+                          <a:effectLst/>
+                          <a:latin typeface="Times New Roman" pitchFamily="18" charset="0"/>
+                          <a:cs typeface="Times New Roman" pitchFamily="18" charset="0"/>
+                        </a:rPr>
+                        <a:t>Ukuran sedang</a:t>
+                      </a:r>
+                      <a:endParaRPr lang="id-ID" sz="1800">
+                        <a:effectLst/>
+                        <a:latin typeface="Times New Roman" pitchFamily="18" charset="0"/>
+                        <a:ea typeface="Times New Roman"/>
+                        <a:cs typeface="Times New Roman" pitchFamily="18" charset="0"/>
+                      </a:endParaRPr>
+                    </a:p>
+                  </a:txBody>
+                  <a:tcPr marL="68580" marR="68580" marT="0" marB="0"/>
+                </a:tc>
+              </a:tr>
+              <a:tr h="506022">
+                <a:tc>
+                  <a:txBody>
+                    <a:bodyPr/>
+                    <a:lstStyle/>
+                    <a:p>
+                      <a:pPr algn="ctr">
+                        <a:lnSpc>
+                          <a:spcPct val="150000"/>
+                        </a:lnSpc>
+                        <a:spcAft>
+                          <a:spcPts val="0"/>
+                        </a:spcAft>
+                      </a:pPr>
+                      <a:r>
+                        <a:rPr lang="en-GB" sz="1800">
+                          <a:effectLst/>
+                          <a:latin typeface="Times New Roman" pitchFamily="18" charset="0"/>
+                          <a:cs typeface="Times New Roman" pitchFamily="18" charset="0"/>
+                        </a:rPr>
+                        <a:t>ADB-NF-0</a:t>
+                      </a:r>
+                      <a:r>
+                        <a:rPr lang="id-ID" sz="1800">
+                          <a:effectLst/>
+                          <a:latin typeface="Times New Roman" pitchFamily="18" charset="0"/>
+                          <a:cs typeface="Times New Roman" pitchFamily="18" charset="0"/>
+                        </a:rPr>
+                        <a:t>6</a:t>
+                      </a:r>
+                      <a:endParaRPr lang="id-ID" sz="1800">
+                        <a:effectLst/>
+                        <a:latin typeface="Times New Roman" pitchFamily="18" charset="0"/>
+                        <a:ea typeface="Times New Roman"/>
+                        <a:cs typeface="Times New Roman" pitchFamily="18" charset="0"/>
+                      </a:endParaRPr>
+                    </a:p>
+                  </a:txBody>
+                  <a:tcPr marL="68580" marR="68580" marT="0" marB="0"/>
+                </a:tc>
+                <a:tc>
+                  <a:txBody>
+                    <a:bodyPr/>
+                    <a:lstStyle/>
+                    <a:p>
+                      <a:pPr>
+                        <a:lnSpc>
+                          <a:spcPct val="150000"/>
+                        </a:lnSpc>
+                        <a:spcAft>
+                          <a:spcPts val="0"/>
+                        </a:spcAft>
+                      </a:pPr>
+                      <a:r>
+                        <a:rPr lang="en-GB" sz="1800">
+                          <a:effectLst/>
+                          <a:latin typeface="Times New Roman" pitchFamily="18" charset="0"/>
+                          <a:cs typeface="Times New Roman" pitchFamily="18" charset="0"/>
+                        </a:rPr>
+                        <a:t>Response time</a:t>
+                      </a:r>
+                      <a:endParaRPr lang="id-ID" sz="1800">
+                        <a:effectLst/>
+                        <a:latin typeface="Times New Roman" pitchFamily="18" charset="0"/>
+                        <a:ea typeface="Times New Roman"/>
+                        <a:cs typeface="Times New Roman" pitchFamily="18" charset="0"/>
+                      </a:endParaRPr>
+                    </a:p>
+                  </a:txBody>
+                  <a:tcPr marL="68580" marR="68580" marT="0" marB="0"/>
+                </a:tc>
+                <a:tc>
+                  <a:txBody>
+                    <a:bodyPr/>
+                    <a:lstStyle/>
+                    <a:p>
+                      <a:pPr>
+                        <a:lnSpc>
+                          <a:spcPct val="150000"/>
+                        </a:lnSpc>
+                        <a:spcAft>
+                          <a:spcPts val="0"/>
+                        </a:spcAft>
+                      </a:pPr>
+                      <a:r>
+                        <a:rPr lang="id-ID" sz="1800" dirty="0">
+                          <a:effectLst/>
+                          <a:latin typeface="Times New Roman" pitchFamily="18" charset="0"/>
+                          <a:cs typeface="Times New Roman" pitchFamily="18" charset="0"/>
+                        </a:rPr>
+                        <a:t>N/A</a:t>
+                      </a:r>
+                      <a:endParaRPr lang="id-ID" sz="1800" dirty="0">
+                        <a:effectLst/>
+                        <a:latin typeface="Times New Roman" pitchFamily="18" charset="0"/>
+                        <a:ea typeface="Times New Roman"/>
+                        <a:cs typeface="Times New Roman" pitchFamily="18" charset="0"/>
+                      </a:endParaRPr>
+                    </a:p>
+                  </a:txBody>
+                  <a:tcPr marL="68580" marR="68580" marT="0" marB="0"/>
+                </a:tc>
+              </a:tr>
+              <a:tr h="506022">
+                <a:tc>
+                  <a:txBody>
+                    <a:bodyPr/>
+                    <a:lstStyle/>
+                    <a:p>
+                      <a:pPr algn="ctr">
+                        <a:lnSpc>
+                          <a:spcPct val="150000"/>
+                        </a:lnSpc>
+                        <a:spcAft>
+                          <a:spcPts val="0"/>
+                        </a:spcAft>
+                      </a:pPr>
+                      <a:r>
+                        <a:rPr lang="en-GB" sz="1800">
+                          <a:effectLst/>
+                          <a:latin typeface="Times New Roman" pitchFamily="18" charset="0"/>
+                          <a:cs typeface="Times New Roman" pitchFamily="18" charset="0"/>
+                        </a:rPr>
+                        <a:t>ADB-NF-0</a:t>
+                      </a:r>
+                      <a:r>
+                        <a:rPr lang="id-ID" sz="1800">
+                          <a:effectLst/>
+                          <a:latin typeface="Times New Roman" pitchFamily="18" charset="0"/>
+                          <a:cs typeface="Times New Roman" pitchFamily="18" charset="0"/>
+                        </a:rPr>
+                        <a:t>7</a:t>
+                      </a:r>
+                      <a:endParaRPr lang="id-ID" sz="1800">
+                        <a:effectLst/>
+                        <a:latin typeface="Times New Roman" pitchFamily="18" charset="0"/>
+                        <a:ea typeface="Times New Roman"/>
+                        <a:cs typeface="Times New Roman" pitchFamily="18" charset="0"/>
+                      </a:endParaRPr>
+                    </a:p>
+                  </a:txBody>
+                  <a:tcPr marL="68580" marR="68580" marT="0" marB="0"/>
+                </a:tc>
+                <a:tc>
+                  <a:txBody>
+                    <a:bodyPr/>
+                    <a:lstStyle/>
+                    <a:p>
+                      <a:pPr>
+                        <a:lnSpc>
+                          <a:spcPct val="150000"/>
+                        </a:lnSpc>
+                        <a:spcAft>
+                          <a:spcPts val="0"/>
+                        </a:spcAft>
+                      </a:pPr>
+                      <a:r>
+                        <a:rPr lang="en-GB" sz="1800">
+                          <a:effectLst/>
+                          <a:latin typeface="Times New Roman" pitchFamily="18" charset="0"/>
+                          <a:cs typeface="Times New Roman" pitchFamily="18" charset="0"/>
+                        </a:rPr>
+                        <a:t>Safety</a:t>
+                      </a:r>
+                      <a:endParaRPr lang="id-ID" sz="1800">
+                        <a:effectLst/>
+                        <a:latin typeface="Times New Roman" pitchFamily="18" charset="0"/>
+                        <a:ea typeface="Times New Roman"/>
+                        <a:cs typeface="Times New Roman" pitchFamily="18" charset="0"/>
+                      </a:endParaRPr>
+                    </a:p>
+                  </a:txBody>
+                  <a:tcPr marL="68580" marR="68580" marT="0" marB="0"/>
+                </a:tc>
+                <a:tc>
+                  <a:txBody>
+                    <a:bodyPr/>
+                    <a:lstStyle/>
+                    <a:p>
+                      <a:pPr>
+                        <a:lnSpc>
+                          <a:spcPct val="150000"/>
+                        </a:lnSpc>
+                        <a:spcAft>
+                          <a:spcPts val="0"/>
+                        </a:spcAft>
+                      </a:pPr>
+                      <a:r>
+                        <a:rPr lang="id-ID" sz="1800" dirty="0">
+                          <a:effectLst/>
+                          <a:latin typeface="Times New Roman" pitchFamily="18" charset="0"/>
+                          <a:cs typeface="Times New Roman" pitchFamily="18" charset="0"/>
+                        </a:rPr>
+                        <a:t>N/A</a:t>
+                      </a:r>
+                      <a:endParaRPr lang="id-ID" sz="1800" dirty="0">
+                        <a:effectLst/>
+                        <a:latin typeface="Times New Roman" pitchFamily="18" charset="0"/>
+                        <a:ea typeface="Times New Roman"/>
+                        <a:cs typeface="Times New Roman" pitchFamily="18" charset="0"/>
+                      </a:endParaRPr>
+                    </a:p>
+                  </a:txBody>
+                  <a:tcPr marL="68580" marR="68580" marT="0" marB="0"/>
+                </a:tc>
+              </a:tr>
+              <a:tr h="506022">
+                <a:tc>
+                  <a:txBody>
+                    <a:bodyPr/>
+                    <a:lstStyle/>
+                    <a:p>
+                      <a:pPr algn="ctr">
+                        <a:lnSpc>
+                          <a:spcPct val="150000"/>
+                        </a:lnSpc>
+                        <a:spcAft>
+                          <a:spcPts val="0"/>
+                        </a:spcAft>
+                      </a:pPr>
+                      <a:r>
+                        <a:rPr lang="en-GB" sz="1800">
+                          <a:effectLst/>
+                          <a:latin typeface="Times New Roman" pitchFamily="18" charset="0"/>
+                          <a:cs typeface="Times New Roman" pitchFamily="18" charset="0"/>
+                        </a:rPr>
+                        <a:t>ADB-NF-0</a:t>
+                      </a:r>
+                      <a:r>
+                        <a:rPr lang="id-ID" sz="1800">
+                          <a:effectLst/>
+                          <a:latin typeface="Times New Roman" pitchFamily="18" charset="0"/>
+                          <a:cs typeface="Times New Roman" pitchFamily="18" charset="0"/>
+                        </a:rPr>
+                        <a:t>8</a:t>
+                      </a:r>
+                      <a:endParaRPr lang="id-ID" sz="1800">
+                        <a:effectLst/>
+                        <a:latin typeface="Times New Roman" pitchFamily="18" charset="0"/>
+                        <a:ea typeface="Times New Roman"/>
+                        <a:cs typeface="Times New Roman" pitchFamily="18" charset="0"/>
+                      </a:endParaRPr>
+                    </a:p>
+                  </a:txBody>
+                  <a:tcPr marL="68580" marR="68580" marT="0" marB="0"/>
+                </a:tc>
+                <a:tc>
+                  <a:txBody>
+                    <a:bodyPr/>
+                    <a:lstStyle/>
+                    <a:p>
+                      <a:pPr>
+                        <a:lnSpc>
+                          <a:spcPct val="150000"/>
+                        </a:lnSpc>
+                        <a:spcAft>
+                          <a:spcPts val="0"/>
+                        </a:spcAft>
+                      </a:pPr>
+                      <a:r>
+                        <a:rPr lang="en-GB" sz="1800">
+                          <a:effectLst/>
+                          <a:latin typeface="Times New Roman" pitchFamily="18" charset="0"/>
+                          <a:cs typeface="Times New Roman" pitchFamily="18" charset="0"/>
+                        </a:rPr>
+                        <a:t>Security</a:t>
+                      </a:r>
+                      <a:endParaRPr lang="id-ID" sz="1800">
+                        <a:effectLst/>
+                        <a:latin typeface="Times New Roman" pitchFamily="18" charset="0"/>
+                        <a:ea typeface="Times New Roman"/>
+                        <a:cs typeface="Times New Roman" pitchFamily="18" charset="0"/>
+                      </a:endParaRPr>
+                    </a:p>
+                  </a:txBody>
+                  <a:tcPr marL="68580" marR="68580" marT="0" marB="0"/>
+                </a:tc>
+                <a:tc>
+                  <a:txBody>
+                    <a:bodyPr/>
+                    <a:lstStyle/>
+                    <a:p>
+                      <a:pPr>
+                        <a:lnSpc>
+                          <a:spcPct val="150000"/>
+                        </a:lnSpc>
+                        <a:spcAft>
+                          <a:spcPts val="0"/>
+                        </a:spcAft>
+                      </a:pPr>
+                      <a:r>
+                        <a:rPr lang="id-ID" sz="1800" dirty="0">
+                          <a:effectLst/>
+                          <a:latin typeface="Times New Roman" pitchFamily="18" charset="0"/>
+                          <a:cs typeface="Times New Roman" pitchFamily="18" charset="0"/>
+                        </a:rPr>
+                        <a:t>Jaringan</a:t>
+                      </a:r>
+                      <a:endParaRPr lang="id-ID" sz="1800" dirty="0">
+                        <a:effectLst/>
+                        <a:latin typeface="Times New Roman" pitchFamily="18" charset="0"/>
+                        <a:ea typeface="Times New Roman"/>
+                        <a:cs typeface="Times New Roman" pitchFamily="18" charset="0"/>
+                      </a:endParaRPr>
+                    </a:p>
+                  </a:txBody>
+                  <a:tcPr marL="68580" marR="68580" marT="0" marB="0"/>
+                </a:tc>
+              </a:tr>
+              <a:tr h="630374">
+                <a:tc>
+                  <a:txBody>
+                    <a:bodyPr/>
+                    <a:lstStyle/>
+                    <a:p>
+                      <a:pPr algn="ctr">
+                        <a:lnSpc>
+                          <a:spcPct val="150000"/>
+                        </a:lnSpc>
+                        <a:spcAft>
+                          <a:spcPts val="0"/>
+                        </a:spcAft>
+                      </a:pPr>
+                      <a:r>
+                        <a:rPr lang="en-GB" sz="1800">
+                          <a:effectLst/>
+                          <a:latin typeface="Times New Roman" pitchFamily="18" charset="0"/>
+                          <a:cs typeface="Times New Roman" pitchFamily="18" charset="0"/>
+                        </a:rPr>
+                        <a:t>ADB-NF-0</a:t>
+                      </a:r>
+                      <a:r>
+                        <a:rPr lang="id-ID" sz="1800">
+                          <a:effectLst/>
+                          <a:latin typeface="Times New Roman" pitchFamily="18" charset="0"/>
+                          <a:cs typeface="Times New Roman" pitchFamily="18" charset="0"/>
+                        </a:rPr>
+                        <a:t>9</a:t>
+                      </a:r>
+                      <a:endParaRPr lang="id-ID" sz="1800">
+                        <a:effectLst/>
+                        <a:latin typeface="Times New Roman" pitchFamily="18" charset="0"/>
+                        <a:ea typeface="Times New Roman"/>
+                        <a:cs typeface="Times New Roman" pitchFamily="18" charset="0"/>
+                      </a:endParaRPr>
+                    </a:p>
+                  </a:txBody>
+                  <a:tcPr marL="68580" marR="68580" marT="0" marB="0"/>
+                </a:tc>
+                <a:tc>
+                  <a:txBody>
+                    <a:bodyPr/>
+                    <a:lstStyle/>
+                    <a:p>
+                      <a:pPr>
+                        <a:lnSpc>
+                          <a:spcPct val="150000"/>
+                        </a:lnSpc>
+                        <a:spcAft>
+                          <a:spcPts val="0"/>
+                        </a:spcAft>
+                      </a:pPr>
+                      <a:r>
+                        <a:rPr lang="en-GB" sz="1800">
+                          <a:effectLst/>
+                          <a:latin typeface="Times New Roman" pitchFamily="18" charset="0"/>
+                          <a:cs typeface="Times New Roman" pitchFamily="18" charset="0"/>
+                        </a:rPr>
+                        <a:t>komunikasi</a:t>
+                      </a:r>
+                      <a:endParaRPr lang="id-ID" sz="1800">
+                        <a:effectLst/>
+                        <a:latin typeface="Times New Roman" pitchFamily="18" charset="0"/>
+                        <a:ea typeface="Times New Roman"/>
+                        <a:cs typeface="Times New Roman" pitchFamily="18" charset="0"/>
+                      </a:endParaRPr>
+                    </a:p>
+                  </a:txBody>
+                  <a:tcPr marL="68580" marR="68580" marT="0" marB="0"/>
+                </a:tc>
+                <a:tc>
+                  <a:txBody>
+                    <a:bodyPr/>
+                    <a:lstStyle/>
+                    <a:p>
+                      <a:pPr>
+                        <a:lnSpc>
+                          <a:spcPct val="150000"/>
+                        </a:lnSpc>
+                        <a:spcAft>
+                          <a:spcPts val="0"/>
+                        </a:spcAft>
+                      </a:pPr>
+                      <a:r>
+                        <a:rPr lang="id-ID" sz="1800" dirty="0">
+                          <a:effectLst/>
+                          <a:latin typeface="Times New Roman" pitchFamily="18" charset="0"/>
+                          <a:cs typeface="Times New Roman" pitchFamily="18" charset="0"/>
+                        </a:rPr>
+                        <a:t>Bahas Indonesia</a:t>
+                      </a:r>
+                      <a:endParaRPr lang="id-ID" sz="1800" dirty="0">
+                        <a:effectLst/>
+                        <a:latin typeface="Times New Roman" pitchFamily="18" charset="0"/>
+                        <a:ea typeface="Times New Roman"/>
+                        <a:cs typeface="Times New Roman" pitchFamily="18" charset="0"/>
+                      </a:endParaRPr>
+                    </a:p>
+                  </a:txBody>
+                  <a:tcPr marL="68580" marR="68580" marT="0" marB="0"/>
+                </a:tc>
+              </a:tr>
+            </a:tbl>
+          </a:graphicData>
+        </a:graphic>
+      </p:graphicFrame>
+    </p:spTree>
+    <p:extLst>
+      <p:ext uri="{BB962C8B-B14F-4D97-AF65-F5344CB8AC3E}">
+        <p14:creationId xmlns:p14="http://schemas.microsoft.com/office/powerpoint/2010/main" val="2096776528"/>
+      </p:ext>
+    </p:extLst>
+  </p:cSld>
+  <p:clrMapOvr>
+    <a:masterClrMapping/>
+  </p:clrMapOvr>
+  <p:timing>
+    <p:tnLst>
+      <p:par>
+        <p:cTn id="1" dur="indefinite" restart="never" nodeType="tmRoot"/>
+      </p:par>
+    </p:tnLst>
+  </p:timing>
+</p:sld>
+</file>
+
+<file path=ppt/slides/slide7.xml><?xml version="1.0" encoding="utf-8"?>
+<p:sld xmlns:a="http://schemas.openxmlformats.org/drawingml/2006/main" xmlns:r="http://schemas.openxmlformats.org/officeDocument/2006/relationships" xmlns:p="http://schemas.openxmlformats.org/presentationml/2006/main">
+  <p:cSld>
+    <p:spTree>
+      <p:nvGrpSpPr>
+        <p:cNvPr id="1" name=""/>
+        <p:cNvGrpSpPr/>
+        <p:nvPr/>
+      </p:nvGrpSpPr>
+      <p:grpSpPr>
+        <a:xfrm>
+          <a:off x="0" y="0"/>
+          <a:ext cx="0" cy="0"/>
+          <a:chOff x="0" y="0"/>
+          <a:chExt cx="0" cy="0"/>
+        </a:xfrm>
+      </p:grpSpPr>
+      <p:sp>
+        <p:nvSpPr>
+          <p:cNvPr id="2" name="Title 1"/>
+          <p:cNvSpPr>
+            <a:spLocks noGrp="1"/>
+          </p:cNvSpPr>
+          <p:nvPr>
+            <p:ph type="title"/>
+          </p:nvPr>
+        </p:nvSpPr>
+        <p:spPr>
+          <a:xfrm>
             <a:off x="457200" y="274638"/>
             <a:ext cx="8229600" cy="634082"/>
           </a:xfrm>
@@ -10111,7 +12424,7 @@
 </p:sld>
 </file>
 
-<file path=ppt/slides/slide6.xml><?xml version="1.0" encoding="utf-8"?>
+<file path=ppt/slides/slide8.xml><?xml version="1.0" encoding="utf-8"?>
 <p:sld xmlns:a="http://schemas.openxmlformats.org/drawingml/2006/main" xmlns:r="http://schemas.openxmlformats.org/officeDocument/2006/relationships" xmlns:p="http://schemas.openxmlformats.org/presentationml/2006/main">
   <p:cSld>
     <p:spTree>
@@ -10161,7 +12474,7 @@
       </p:sp>
       <p:pic>
         <p:nvPicPr>
-          <p:cNvPr id="4" name="Picture 2" descr="H:\Tugas SRS\class diagram.PNG"/>
+          <p:cNvPr id="1026" name="Picture 2" descr="D:\Materi kuliah\SMESTER V\Prak.RPL Lanjut\Tubes-IFB-1127050045-1127050061\class Diagram edit.PNG"/>
           <p:cNvPicPr>
             <a:picLocks noChangeAspect="1" noChangeArrowheads="1"/>
           </p:cNvPicPr>
@@ -10182,8 +12495,8 @@
         </p:blipFill>
         <p:spPr bwMode="auto">
           <a:xfrm>
-            <a:off x="683568" y="1124744"/>
-            <a:ext cx="7992888" cy="5256584"/>
+            <a:off x="251520" y="980728"/>
+            <a:ext cx="8640960" cy="5616624"/>
           </a:xfrm>
           <a:prstGeom prst="rect">
             <a:avLst/>
@@ -10204,6 +12517,212 @@
     <p:extLst>
       <p:ext uri="{BB962C8B-B14F-4D97-AF65-F5344CB8AC3E}">
         <p14:creationId xmlns:p14="http://schemas.microsoft.com/office/powerpoint/2010/main" val="1454923093"/>
+      </p:ext>
+    </p:extLst>
+  </p:cSld>
+  <p:clrMapOvr>
+    <a:masterClrMapping/>
+  </p:clrMapOvr>
+  <p:timing>
+    <p:tnLst>
+      <p:par>
+        <p:cTn id="1" dur="indefinite" restart="never" nodeType="tmRoot"/>
+      </p:par>
+    </p:tnLst>
+  </p:timing>
+</p:sld>
+</file>
+
+<file path=ppt/slides/slide9.xml><?xml version="1.0" encoding="utf-8"?>
+<p:sld xmlns:a="http://schemas.openxmlformats.org/drawingml/2006/main" xmlns:r="http://schemas.openxmlformats.org/officeDocument/2006/relationships" xmlns:p="http://schemas.openxmlformats.org/presentationml/2006/main">
+  <p:cSld>
+    <p:spTree>
+      <p:nvGrpSpPr>
+        <p:cNvPr id="1" name=""/>
+        <p:cNvGrpSpPr/>
+        <p:nvPr/>
+      </p:nvGrpSpPr>
+      <p:grpSpPr>
+        <a:xfrm>
+          <a:off x="0" y="0"/>
+          <a:ext cx="0" cy="0"/>
+          <a:chOff x="0" y="0"/>
+          <a:chExt cx="0" cy="0"/>
+        </a:xfrm>
+      </p:grpSpPr>
+      <p:sp>
+        <p:nvSpPr>
+          <p:cNvPr id="2" name="Title 1"/>
+          <p:cNvSpPr>
+            <a:spLocks noGrp="1"/>
+          </p:cNvSpPr>
+          <p:nvPr>
+            <p:ph type="title"/>
+          </p:nvPr>
+        </p:nvSpPr>
+        <p:spPr>
+          <a:xfrm>
+            <a:off x="457200" y="274638"/>
+            <a:ext cx="8229600" cy="850106"/>
+          </a:xfrm>
+        </p:spPr>
+        <p:txBody>
+          <a:bodyPr>
+            <a:normAutofit/>
+          </a:bodyPr>
+          <a:lstStyle/>
+          <a:p>
+            <a:pPr algn="ctr"/>
+            <a:r>
+              <a:rPr lang="en-GB" dirty="0" err="1"/>
+              <a:t>Deskripsi</a:t>
+            </a:r>
+            <a:r>
+              <a:rPr lang="en-GB" dirty="0"/>
+              <a:t> </a:t>
+            </a:r>
+            <a:r>
+              <a:rPr lang="en-GB" dirty="0" err="1"/>
+              <a:t>Kebutuhan</a:t>
+            </a:r>
+            <a:endParaRPr lang="id-ID" dirty="0"/>
+          </a:p>
+        </p:txBody>
+      </p:sp>
+      <p:sp>
+        <p:nvSpPr>
+          <p:cNvPr id="3" name="Content Placeholder 2"/>
+          <p:cNvSpPr>
+            <a:spLocks noGrp="1"/>
+          </p:cNvSpPr>
+          <p:nvPr>
+            <p:ph idx="1"/>
+          </p:nvPr>
+        </p:nvSpPr>
+        <p:spPr>
+          <a:xfrm>
+            <a:off x="457200" y="1268760"/>
+            <a:ext cx="8229600" cy="4857403"/>
+          </a:xfrm>
+        </p:spPr>
+        <p:txBody>
+          <a:bodyPr/>
+          <a:lstStyle/>
+          <a:p>
+            <a:r>
+              <a:rPr lang="id-ID" dirty="0"/>
+              <a:t>Adapun kebutuhan antarmuka eksternal yang dibutuhkan oleh aplikasi yang akan dibangun adalah:</a:t>
+            </a:r>
+            <a:endParaRPr lang="id-ID" i="1" dirty="0"/>
+          </a:p>
+          <a:p>
+            <a:pPr lvl="0"/>
+            <a:r>
+              <a:rPr lang="id-ID" dirty="0"/>
+              <a:t>Memori yang digunakan mampu menampung proses-proses yang terjadi di dalam aplikasi</a:t>
+            </a:r>
+            <a:endParaRPr lang="id-ID" i="1" dirty="0"/>
+          </a:p>
+          <a:p>
+            <a:pPr lvl="0"/>
+            <a:r>
+              <a:rPr lang="id-ID" dirty="0"/>
+              <a:t>Pulsa yang dapat mendukung kinerja aplikasi agar bisa cepat.</a:t>
+            </a:r>
+            <a:endParaRPr lang="id-ID" i="1" dirty="0"/>
+          </a:p>
+          <a:p>
+            <a:pPr lvl="0"/>
+            <a:r>
+              <a:rPr lang="en-GB" dirty="0"/>
+              <a:t>RAM 2 GB</a:t>
+            </a:r>
+            <a:endParaRPr lang="id-ID" dirty="0"/>
+          </a:p>
+          <a:p>
+            <a:pPr lvl="0"/>
+            <a:r>
+              <a:rPr lang="en-GB" dirty="0" err="1"/>
+              <a:t>Layar</a:t>
+            </a:r>
+            <a:r>
+              <a:rPr lang="en-GB" dirty="0"/>
+              <a:t> </a:t>
+            </a:r>
+            <a:r>
+              <a:rPr lang="en-GB" dirty="0" err="1"/>
+              <a:t>dengan</a:t>
+            </a:r>
+            <a:r>
+              <a:rPr lang="en-GB" dirty="0"/>
+              <a:t> </a:t>
+            </a:r>
+            <a:r>
+              <a:rPr lang="en-GB" dirty="0" err="1"/>
+              <a:t>Resolusi</a:t>
+            </a:r>
+            <a:r>
+              <a:rPr lang="en-GB" dirty="0"/>
+              <a:t> minimal 3,5 </a:t>
+            </a:r>
+            <a:r>
+              <a:rPr lang="en-GB" dirty="0" err="1"/>
+              <a:t>inchi</a:t>
+            </a:r>
+            <a:endParaRPr lang="id-ID" dirty="0"/>
+          </a:p>
+          <a:p>
+            <a:pPr lvl="0"/>
+            <a:r>
+              <a:rPr lang="id-ID" dirty="0"/>
+              <a:t>Smartphone (Android)</a:t>
+            </a:r>
+          </a:p>
+          <a:p>
+            <a:r>
+              <a:rPr lang="en-GB" dirty="0"/>
+              <a:t>Gadget yang </a:t>
+            </a:r>
+            <a:r>
+              <a:rPr lang="en-GB" dirty="0" err="1"/>
+              <a:t>dapat</a:t>
+            </a:r>
+            <a:r>
+              <a:rPr lang="en-GB" dirty="0"/>
+              <a:t> </a:t>
+            </a:r>
+            <a:r>
+              <a:rPr lang="en-GB" dirty="0" err="1"/>
+              <a:t>mengoperasikan</a:t>
+            </a:r>
+            <a:r>
+              <a:rPr lang="en-GB" dirty="0"/>
+              <a:t> </a:t>
+            </a:r>
+            <a:r>
+              <a:rPr lang="en-GB" dirty="0" err="1"/>
+              <a:t>aplikasi</a:t>
+            </a:r>
+            <a:r>
+              <a:rPr lang="en-GB" dirty="0"/>
+              <a:t> </a:t>
+            </a:r>
+            <a:r>
+              <a:rPr lang="en-GB" dirty="0" err="1"/>
+              <a:t>berbasis</a:t>
+            </a:r>
+            <a:r>
+              <a:rPr lang="en-GB" dirty="0"/>
+              <a:t> java</a:t>
+            </a:r>
+            <a:endParaRPr lang="id-ID" dirty="0"/>
+          </a:p>
+        </p:txBody>
+      </p:sp>
+    </p:spTree>
+    <p:extLst>
+      <p:ext uri="{BB962C8B-B14F-4D97-AF65-F5344CB8AC3E}">
+        <p14:creationId xmlns:p14="http://schemas.microsoft.com/office/powerpoint/2010/main" val="461543105"/>
       </p:ext>
     </p:extLst>
   </p:cSld>
